--- a/RemoteHW/RemoteHW.pptx
+++ b/RemoteHW/RemoteHW.pptx
@@ -222,7 +222,7 @@
           <a:p>
             <a:fld id="{C10443EF-0C17-4337-BE13-124D58D1554E}" type="datetimeFigureOut">
               <a:rPr lang="ko-KR" altLang="en-US" smtClean="0"/>
-              <a:t>2019-09-11</a:t>
+              <a:t>2020-11-14</a:t>
             </a:fld>
             <a:endParaRPr lang="ko-KR" altLang="en-US"/>
           </a:p>
@@ -288,38 +288,37 @@
           <a:p>
             <a:pPr lvl="0"/>
             <a:r>
-              <a:rPr lang="ko-KR" altLang="en-US" smtClean="0"/>
+              <a:rPr lang="ko-KR" altLang="en-US"/>
               <a:t>마스터 텍스트 스타일을 편집합니다</a:t>
             </a:r>
           </a:p>
           <a:p>
             <a:pPr lvl="1"/>
             <a:r>
-              <a:rPr lang="ko-KR" altLang="en-US" smtClean="0"/>
+              <a:rPr lang="ko-KR" altLang="en-US"/>
               <a:t>둘째 수준</a:t>
             </a:r>
           </a:p>
           <a:p>
             <a:pPr lvl="2"/>
             <a:r>
-              <a:rPr lang="ko-KR" altLang="en-US" smtClean="0"/>
+              <a:rPr lang="ko-KR" altLang="en-US"/>
               <a:t>셋째 수준</a:t>
             </a:r>
           </a:p>
           <a:p>
             <a:pPr lvl="3"/>
             <a:r>
-              <a:rPr lang="ko-KR" altLang="en-US" smtClean="0"/>
+              <a:rPr lang="ko-KR" altLang="en-US"/>
               <a:t>넷째 수준</a:t>
             </a:r>
           </a:p>
           <a:p>
             <a:pPr lvl="4"/>
             <a:r>
-              <a:rPr lang="ko-KR" altLang="en-US" smtClean="0"/>
+              <a:rPr lang="ko-KR" altLang="en-US"/>
               <a:t>다섯째 수준</a:t>
             </a:r>
-            <a:endParaRPr lang="ko-KR" altLang="en-US"/>
           </a:p>
         </p:txBody>
       </p:sp>
@@ -667,7 +666,7 @@
             <a:fld id="{F45555AF-FF74-4519-8DDD-679BDF759D98}" type="datetimeFigureOut">
               <a:rPr lang="ko-KR" altLang="en-US" smtClean="0"/>
               <a:pPr/>
-              <a:t>2019-09-11</a:t>
+              <a:t>2020-11-14</a:t>
             </a:fld>
             <a:endParaRPr lang="ko-KR" altLang="en-US"/>
           </a:p>
@@ -837,7 +836,7 @@
             <a:fld id="{F45555AF-FF74-4519-8DDD-679BDF759D98}" type="datetimeFigureOut">
               <a:rPr lang="ko-KR" altLang="en-US" smtClean="0"/>
               <a:pPr/>
-              <a:t>2019-09-11</a:t>
+              <a:t>2020-11-14</a:t>
             </a:fld>
             <a:endParaRPr lang="ko-KR" altLang="en-US"/>
           </a:p>
@@ -1017,7 +1016,7 @@
             <a:fld id="{F45555AF-FF74-4519-8DDD-679BDF759D98}" type="datetimeFigureOut">
               <a:rPr lang="ko-KR" altLang="en-US" smtClean="0"/>
               <a:pPr/>
-              <a:t>2019-09-11</a:t>
+              <a:t>2020-11-14</a:t>
             </a:fld>
             <a:endParaRPr lang="ko-KR" altLang="en-US"/>
           </a:p>
@@ -1187,7 +1186,7 @@
             <a:fld id="{F45555AF-FF74-4519-8DDD-679BDF759D98}" type="datetimeFigureOut">
               <a:rPr lang="ko-KR" altLang="en-US" smtClean="0"/>
               <a:pPr/>
-              <a:t>2019-09-11</a:t>
+              <a:t>2020-11-14</a:t>
             </a:fld>
             <a:endParaRPr lang="ko-KR" altLang="en-US"/>
           </a:p>
@@ -1434,7 +1433,7 @@
             <a:fld id="{F45555AF-FF74-4519-8DDD-679BDF759D98}" type="datetimeFigureOut">
               <a:rPr lang="ko-KR" altLang="en-US" smtClean="0"/>
               <a:pPr/>
-              <a:t>2019-09-11</a:t>
+              <a:t>2020-11-14</a:t>
             </a:fld>
             <a:endParaRPr lang="ko-KR" altLang="en-US"/>
           </a:p>
@@ -1721,7 +1720,7 @@
             <a:fld id="{F45555AF-FF74-4519-8DDD-679BDF759D98}" type="datetimeFigureOut">
               <a:rPr lang="ko-KR" altLang="en-US" smtClean="0"/>
               <a:pPr/>
-              <a:t>2019-09-11</a:t>
+              <a:t>2020-11-14</a:t>
             </a:fld>
             <a:endParaRPr lang="ko-KR" altLang="en-US"/>
           </a:p>
@@ -2142,7 +2141,7 @@
             <a:fld id="{F45555AF-FF74-4519-8DDD-679BDF759D98}" type="datetimeFigureOut">
               <a:rPr lang="ko-KR" altLang="en-US" smtClean="0"/>
               <a:pPr/>
-              <a:t>2019-09-11</a:t>
+              <a:t>2020-11-14</a:t>
             </a:fld>
             <a:endParaRPr lang="ko-KR" altLang="en-US"/>
           </a:p>
@@ -2261,7 +2260,7 @@
             <a:fld id="{F45555AF-FF74-4519-8DDD-679BDF759D98}" type="datetimeFigureOut">
               <a:rPr lang="ko-KR" altLang="en-US" smtClean="0"/>
               <a:pPr/>
-              <a:t>2019-09-11</a:t>
+              <a:t>2020-11-14</a:t>
             </a:fld>
             <a:endParaRPr lang="ko-KR" altLang="en-US"/>
           </a:p>
@@ -2358,7 +2357,7 @@
             <a:fld id="{F45555AF-FF74-4519-8DDD-679BDF759D98}" type="datetimeFigureOut">
               <a:rPr lang="ko-KR" altLang="en-US" smtClean="0"/>
               <a:pPr/>
-              <a:t>2019-09-11</a:t>
+              <a:t>2020-11-14</a:t>
             </a:fld>
             <a:endParaRPr lang="ko-KR" altLang="en-US"/>
           </a:p>
@@ -2635,7 +2634,7 @@
             <a:fld id="{F45555AF-FF74-4519-8DDD-679BDF759D98}" type="datetimeFigureOut">
               <a:rPr lang="ko-KR" altLang="en-US" smtClean="0"/>
               <a:pPr/>
-              <a:t>2019-09-11</a:t>
+              <a:t>2020-11-14</a:t>
             </a:fld>
             <a:endParaRPr lang="ko-KR" altLang="en-US"/>
           </a:p>
@@ -2889,7 +2888,7 @@
             <a:fld id="{F45555AF-FF74-4519-8DDD-679BDF759D98}" type="datetimeFigureOut">
               <a:rPr lang="ko-KR" altLang="en-US" smtClean="0"/>
               <a:pPr/>
-              <a:t>2019-09-11</a:t>
+              <a:t>2020-11-14</a:t>
             </a:fld>
             <a:endParaRPr lang="ko-KR" altLang="en-US"/>
           </a:p>
@@ -3102,7 +3101,7 @@
             <a:fld id="{F45555AF-FF74-4519-8DDD-679BDF759D98}" type="datetimeFigureOut">
               <a:rPr lang="ko-KR" altLang="en-US" smtClean="0"/>
               <a:pPr/>
-              <a:t>2019-09-11</a:t>
+              <a:t>2020-11-14</a:t>
             </a:fld>
             <a:endParaRPr lang="ko-KR" altLang="en-US"/>
           </a:p>
@@ -3877,13 +3876,6 @@
   <p:clrMapOvr>
     <a:masterClrMapping/>
   </p:clrMapOvr>
-  <p:timing>
-    <p:tnLst>
-      <p:par>
-        <p:cTn id="1" dur="indefinite" restart="never" nodeType="tmRoot"/>
-      </p:par>
-    </p:tnLst>
-  </p:timing>
 </p:sld>
 </file>
 
@@ -4148,18 +4140,13 @@
           <a:lstStyle/>
           <a:p>
             <a:r>
-              <a:rPr lang="en-US" altLang="ko-KR" sz="2000" b="1" dirty="0" smtClean="0">
+              <a:rPr lang="en-US" altLang="ko-KR" sz="2000" b="1" dirty="0">
                 <a:solidFill>
                   <a:schemeClr val="bg1"/>
                 </a:solidFill>
               </a:rPr>
               <a:t>Part.5</a:t>
             </a:r>
-            <a:endParaRPr lang="en-US" altLang="ko-KR" sz="2000" b="1" dirty="0">
-              <a:solidFill>
-                <a:schemeClr val="bg1"/>
-              </a:solidFill>
-            </a:endParaRPr>
           </a:p>
           <a:p>
             <a:r>
@@ -4316,18 +4303,13 @@
           <a:lstStyle/>
           <a:p>
             <a:r>
-              <a:rPr lang="ko-KR" altLang="en-US" b="1" dirty="0" smtClean="0">
+              <a:rPr lang="ko-KR" altLang="en-US" b="1" dirty="0">
                 <a:solidFill>
                   <a:srgbClr val="134873"/>
                 </a:solidFill>
               </a:rPr>
               <a:t>개발계획</a:t>
             </a:r>
-            <a:endParaRPr lang="ko-KR" altLang="en-US" b="1" dirty="0">
-              <a:solidFill>
-                <a:srgbClr val="134873"/>
-              </a:solidFill>
-            </a:endParaRPr>
           </a:p>
         </p:txBody>
       </p:sp>
@@ -4404,7 +4386,7 @@
           <a:lstStyle/>
           <a:p>
             <a:r>
-              <a:rPr lang="ko-KR" altLang="en-US" b="1" dirty="0" smtClean="0">
+              <a:rPr lang="ko-KR" altLang="en-US" b="1" dirty="0">
                 <a:solidFill>
                   <a:schemeClr val="tx1">
                     <a:lumMod val="65000"/>
@@ -4414,14 +4396,6 @@
               </a:rPr>
               <a:t>개발계획</a:t>
             </a:r>
-            <a:endParaRPr lang="ko-KR" altLang="en-US" b="1" dirty="0">
-              <a:solidFill>
-                <a:schemeClr val="tx1">
-                  <a:lumMod val="65000"/>
-                  <a:lumOff val="35000"/>
-                </a:schemeClr>
-              </a:solidFill>
-            </a:endParaRPr>
           </a:p>
         </p:txBody>
       </p:sp>
@@ -4497,7 +4471,7 @@
           <a:lstStyle/>
           <a:p>
             <a:r>
-              <a:rPr lang="en-US" altLang="ko-KR" dirty="0" smtClean="0">
+              <a:rPr lang="en-US" altLang="ko-KR" dirty="0">
                 <a:solidFill>
                   <a:schemeClr val="tx1">
                     <a:lumMod val="65000"/>
@@ -4508,7 +4482,7 @@
               <a:t>1. </a:t>
             </a:r>
             <a:r>
-              <a:rPr lang="ko-KR" altLang="en-US" dirty="0" smtClean="0">
+              <a:rPr lang="ko-KR" altLang="en-US" dirty="0">
                 <a:solidFill>
                   <a:schemeClr val="tx1">
                     <a:lumMod val="65000"/>
@@ -4518,7 +4492,7 @@
               </a:rPr>
               <a:t>마우스 휠</a:t>
             </a:r>
-            <a:endParaRPr lang="en-US" altLang="ko-KR" dirty="0" smtClean="0">
+            <a:endParaRPr lang="en-US" altLang="ko-KR" dirty="0">
               <a:solidFill>
                 <a:schemeClr val="tx1">
                   <a:lumMod val="65000"/>
@@ -4528,7 +4502,7 @@
             </a:endParaRPr>
           </a:p>
           <a:p>
-            <a:endParaRPr lang="en-US" altLang="ko-KR" dirty="0" smtClean="0">
+            <a:endParaRPr lang="en-US" altLang="ko-KR" dirty="0">
               <a:solidFill>
                 <a:schemeClr val="tx1">
                   <a:lumMod val="65000"/>
@@ -4539,7 +4513,7 @@
           </a:p>
           <a:p>
             <a:r>
-              <a:rPr lang="en-US" altLang="ko-KR" dirty="0" smtClean="0">
+              <a:rPr lang="en-US" altLang="ko-KR" dirty="0">
                 <a:solidFill>
                   <a:schemeClr val="tx1">
                     <a:lumMod val="65000"/>
@@ -4550,7 +4524,7 @@
               <a:t>2. </a:t>
             </a:r>
             <a:r>
-              <a:rPr lang="ko-KR" altLang="en-US" dirty="0" err="1" smtClean="0">
+              <a:rPr lang="ko-KR" altLang="en-US" dirty="0" err="1">
                 <a:solidFill>
                   <a:schemeClr val="tx1">
                     <a:lumMod val="65000"/>
@@ -4561,7 +4535,7 @@
               <a:t>메인화면구성</a:t>
             </a:r>
             <a:r>
-              <a:rPr lang="ko-KR" altLang="en-US" dirty="0" smtClean="0">
+              <a:rPr lang="ko-KR" altLang="en-US" dirty="0">
                 <a:solidFill>
                   <a:schemeClr val="tx1">
                     <a:lumMod val="65000"/>
@@ -4572,7 +4546,7 @@
               <a:t> </a:t>
             </a:r>
             <a:r>
-              <a:rPr lang="en-US" altLang="ko-KR" dirty="0" smtClean="0">
+              <a:rPr lang="en-US" altLang="ko-KR" dirty="0">
                 <a:solidFill>
                   <a:schemeClr val="tx1">
                     <a:lumMod val="65000"/>
@@ -4583,7 +4557,7 @@
               <a:t>(</a:t>
             </a:r>
             <a:r>
-              <a:rPr lang="ko-KR" altLang="en-US" dirty="0" smtClean="0">
+              <a:rPr lang="ko-KR" altLang="en-US" dirty="0">
                 <a:solidFill>
                   <a:schemeClr val="tx1">
                     <a:lumMod val="65000"/>
@@ -4594,7 +4568,7 @@
               <a:t>사용설명서 추가</a:t>
             </a:r>
             <a:r>
-              <a:rPr lang="en-US" altLang="ko-KR" dirty="0" smtClean="0">
+              <a:rPr lang="en-US" altLang="ko-KR" dirty="0">
                 <a:solidFill>
                   <a:schemeClr val="tx1">
                     <a:lumMod val="65000"/>
@@ -4606,7 +4580,7 @@
             </a:r>
           </a:p>
           <a:p>
-            <a:endParaRPr lang="en-US" altLang="ko-KR" dirty="0" smtClean="0">
+            <a:endParaRPr lang="en-US" altLang="ko-KR" dirty="0">
               <a:solidFill>
                 <a:schemeClr val="tx1">
                   <a:lumMod val="65000"/>
@@ -4617,7 +4591,7 @@
           </a:p>
           <a:p>
             <a:r>
-              <a:rPr lang="en-US" altLang="ko-KR" dirty="0" smtClean="0">
+              <a:rPr lang="en-US" altLang="ko-KR" dirty="0">
                 <a:solidFill>
                   <a:schemeClr val="tx1">
                     <a:lumMod val="65000"/>
@@ -4628,7 +4602,7 @@
               <a:t>3. </a:t>
             </a:r>
             <a:r>
-              <a:rPr lang="ko-KR" altLang="en-US" dirty="0" smtClean="0">
+              <a:rPr lang="ko-KR" altLang="en-US" dirty="0">
                 <a:solidFill>
                   <a:schemeClr val="tx1">
                     <a:lumMod val="65000"/>
@@ -4638,7 +4612,7 @@
               </a:rPr>
               <a:t>디자인</a:t>
             </a:r>
-            <a:endParaRPr lang="en-US" altLang="ko-KR" dirty="0" smtClean="0">
+            <a:endParaRPr lang="en-US" altLang="ko-KR" dirty="0">
               <a:solidFill>
                 <a:schemeClr val="tx1">
                   <a:lumMod val="65000"/>
@@ -4648,7 +4622,7 @@
             </a:endParaRPr>
           </a:p>
           <a:p>
-            <a:endParaRPr lang="en-US" altLang="ko-KR" dirty="0" smtClean="0">
+            <a:endParaRPr lang="en-US" altLang="ko-KR" dirty="0">
               <a:solidFill>
                 <a:schemeClr val="tx1">
                   <a:lumMod val="65000"/>
@@ -4659,7 +4633,7 @@
           </a:p>
           <a:p>
             <a:r>
-              <a:rPr lang="en-US" altLang="ko-KR" dirty="0" smtClean="0">
+              <a:rPr lang="en-US" altLang="ko-KR" dirty="0">
                 <a:solidFill>
                   <a:schemeClr val="tx1">
                     <a:lumMod val="65000"/>
@@ -4670,7 +4644,7 @@
               <a:t>4. </a:t>
             </a:r>
             <a:r>
-              <a:rPr lang="ko-KR" altLang="en-US" dirty="0" err="1" smtClean="0">
+              <a:rPr lang="ko-KR" altLang="en-US" dirty="0" err="1">
                 <a:solidFill>
                   <a:schemeClr val="tx1">
                     <a:lumMod val="65000"/>
@@ -4681,7 +4655,7 @@
               <a:t>서버측</a:t>
             </a:r>
             <a:r>
-              <a:rPr lang="ko-KR" altLang="en-US" dirty="0" smtClean="0">
+              <a:rPr lang="ko-KR" altLang="en-US" dirty="0">
                 <a:solidFill>
                   <a:schemeClr val="tx1">
                     <a:lumMod val="65000"/>
@@ -4692,7 +4666,7 @@
               <a:t> 프로그램 </a:t>
             </a:r>
             <a:r>
-              <a:rPr lang="ko-KR" altLang="en-US" dirty="0" err="1" smtClean="0">
+              <a:rPr lang="ko-KR" altLang="en-US" dirty="0" err="1">
                 <a:solidFill>
                   <a:schemeClr val="tx1">
                     <a:lumMod val="65000"/>
@@ -4703,7 +4677,7 @@
               <a:t>최소화시</a:t>
             </a:r>
             <a:r>
-              <a:rPr lang="ko-KR" altLang="en-US" dirty="0" smtClean="0">
+              <a:rPr lang="ko-KR" altLang="en-US" dirty="0">
                 <a:solidFill>
                   <a:schemeClr val="tx1">
                     <a:lumMod val="65000"/>
@@ -4714,7 +4688,7 @@
               <a:t> </a:t>
             </a:r>
             <a:r>
-              <a:rPr lang="ko-KR" altLang="en-US" dirty="0" err="1" smtClean="0">
+              <a:rPr lang="ko-KR" altLang="en-US" dirty="0" err="1">
                 <a:solidFill>
                   <a:schemeClr val="tx1">
                     <a:lumMod val="65000"/>
@@ -4725,7 +4699,7 @@
               <a:t>트레이로</a:t>
             </a:r>
             <a:r>
-              <a:rPr lang="en-US" altLang="ko-KR" dirty="0" smtClean="0">
+              <a:rPr lang="en-US" altLang="ko-KR" dirty="0">
                 <a:solidFill>
                   <a:schemeClr val="tx1">
                     <a:lumMod val="65000"/>
@@ -4736,7 +4710,7 @@
               <a:t> </a:t>
             </a:r>
             <a:r>
-              <a:rPr lang="ko-KR" altLang="en-US" dirty="0" smtClean="0">
+              <a:rPr lang="ko-KR" altLang="en-US" dirty="0">
                 <a:solidFill>
                   <a:schemeClr val="tx1">
                     <a:lumMod val="65000"/>
@@ -4746,7 +4720,7 @@
               </a:rPr>
               <a:t>보내기</a:t>
             </a:r>
-            <a:endParaRPr lang="en-US" altLang="ko-KR" dirty="0" smtClean="0">
+            <a:endParaRPr lang="en-US" altLang="ko-KR" dirty="0">
               <a:solidFill>
                 <a:schemeClr val="tx1">
                   <a:lumMod val="65000"/>
@@ -4756,7 +4730,7 @@
             </a:endParaRPr>
           </a:p>
           <a:p>
-            <a:endParaRPr lang="en-US" altLang="ko-KR" dirty="0" smtClean="0">
+            <a:endParaRPr lang="en-US" altLang="ko-KR" dirty="0">
               <a:solidFill>
                 <a:schemeClr val="tx1">
                   <a:lumMod val="65000"/>
@@ -4767,7 +4741,7 @@
           </a:p>
           <a:p>
             <a:r>
-              <a:rPr lang="en-US" altLang="ko-KR" dirty="0" smtClean="0">
+              <a:rPr lang="en-US" altLang="ko-KR" dirty="0">
                 <a:solidFill>
                   <a:schemeClr val="tx1">
                     <a:lumMod val="65000"/>
@@ -4778,7 +4752,7 @@
               <a:t>5. </a:t>
             </a:r>
             <a:r>
-              <a:rPr lang="ko-KR" altLang="en-US" dirty="0" err="1" smtClean="0">
+              <a:rPr lang="ko-KR" altLang="en-US" dirty="0" err="1">
                 <a:solidFill>
                   <a:schemeClr val="tx1">
                     <a:lumMod val="65000"/>
@@ -4789,7 +4763,7 @@
               <a:t>타블렛</a:t>
             </a:r>
             <a:r>
-              <a:rPr lang="ko-KR" altLang="en-US" dirty="0" smtClean="0">
+              <a:rPr lang="ko-KR" altLang="en-US" dirty="0">
                 <a:solidFill>
                   <a:schemeClr val="tx1">
                     <a:lumMod val="65000"/>
@@ -4799,7 +4773,7 @@
               </a:rPr>
               <a:t> 기능</a:t>
             </a:r>
-            <a:endParaRPr lang="en-US" altLang="ko-KR" dirty="0" smtClean="0">
+            <a:endParaRPr lang="en-US" altLang="ko-KR" dirty="0">
               <a:solidFill>
                 <a:schemeClr val="tx1">
                   <a:lumMod val="65000"/>
@@ -4809,7 +4783,7 @@
             </a:endParaRPr>
           </a:p>
           <a:p>
-            <a:endParaRPr lang="en-US" altLang="ko-KR" dirty="0" smtClean="0">
+            <a:endParaRPr lang="en-US" altLang="ko-KR" dirty="0">
               <a:solidFill>
                 <a:schemeClr val="tx1">
                   <a:lumMod val="65000"/>
@@ -4820,7 +4794,7 @@
           </a:p>
           <a:p>
             <a:r>
-              <a:rPr lang="en-US" altLang="ko-KR" dirty="0" smtClean="0">
+              <a:rPr lang="en-US" altLang="ko-KR" dirty="0">
                 <a:solidFill>
                   <a:schemeClr val="tx1">
                     <a:lumMod val="65000"/>
@@ -4831,7 +4805,7 @@
               <a:t>6. </a:t>
             </a:r>
             <a:r>
-              <a:rPr lang="ko-KR" altLang="en-US" dirty="0" smtClean="0">
+              <a:rPr lang="ko-KR" altLang="en-US" dirty="0">
                 <a:solidFill>
                   <a:schemeClr val="tx1">
                     <a:lumMod val="65000"/>
@@ -4841,7 +4815,7 @@
               </a:rPr>
               <a:t>스피커</a:t>
             </a:r>
-            <a:endParaRPr lang="en-US" altLang="ko-KR" dirty="0" smtClean="0">
+            <a:endParaRPr lang="en-US" altLang="ko-KR" dirty="0">
               <a:solidFill>
                 <a:schemeClr val="tx1">
                   <a:lumMod val="65000"/>
@@ -4851,7 +4825,7 @@
             </a:endParaRPr>
           </a:p>
           <a:p>
-            <a:endParaRPr lang="en-US" altLang="ko-KR" dirty="0" smtClean="0">
+            <a:endParaRPr lang="en-US" altLang="ko-KR" dirty="0">
               <a:solidFill>
                 <a:schemeClr val="tx1">
                   <a:lumMod val="65000"/>
@@ -4862,7 +4836,7 @@
           </a:p>
           <a:p>
             <a:r>
-              <a:rPr lang="en-US" altLang="ko-KR" dirty="0" smtClean="0">
+              <a:rPr lang="en-US" altLang="ko-KR" dirty="0">
                 <a:solidFill>
                   <a:schemeClr val="tx1">
                     <a:lumMod val="65000"/>
@@ -4873,7 +4847,7 @@
               <a:t>7. </a:t>
             </a:r>
             <a:r>
-              <a:rPr lang="ko-KR" altLang="en-US" dirty="0" smtClean="0">
+              <a:rPr lang="ko-KR" altLang="en-US" dirty="0">
                 <a:solidFill>
                   <a:schemeClr val="tx1">
                     <a:lumMod val="65000"/>
@@ -4883,7 +4857,7 @@
               </a:rPr>
               <a:t>시간이 남으면 스피커와 마우스를 한번에 사용</a:t>
             </a:r>
-            <a:endParaRPr lang="en-US" altLang="ko-KR" dirty="0" smtClean="0">
+            <a:endParaRPr lang="en-US" altLang="ko-KR" dirty="0">
               <a:solidFill>
                 <a:schemeClr val="tx1">
                   <a:lumMod val="65000"/>
@@ -4893,7 +4867,7 @@
             </a:endParaRPr>
           </a:p>
           <a:p>
-            <a:endParaRPr lang="en-US" altLang="ko-KR" dirty="0" smtClean="0">
+            <a:endParaRPr lang="en-US" altLang="ko-KR" dirty="0">
               <a:solidFill>
                 <a:schemeClr val="tx1">
                   <a:lumMod val="65000"/>
@@ -4914,13 +4888,6 @@
   <p:clrMapOvr>
     <a:masterClrMapping/>
   </p:clrMapOvr>
-  <p:timing>
-    <p:tnLst>
-      <p:par>
-        <p:cTn id="1" dur="indefinite" restart="never" nodeType="tmRoot"/>
-      </p:par>
-    </p:tnLst>
-  </p:timing>
 </p:sld>
 </file>
 
@@ -5185,18 +5152,13 @@
           <a:lstStyle/>
           <a:p>
             <a:r>
-              <a:rPr lang="en-US" altLang="ko-KR" sz="2000" b="1" dirty="0" smtClean="0">
+              <a:rPr lang="en-US" altLang="ko-KR" sz="2000" b="1" dirty="0">
                 <a:solidFill>
                   <a:schemeClr val="bg1"/>
                 </a:solidFill>
               </a:rPr>
               <a:t>Part.5</a:t>
             </a:r>
-            <a:endParaRPr lang="en-US" altLang="ko-KR" sz="2000" b="1" dirty="0">
-              <a:solidFill>
-                <a:schemeClr val="bg1"/>
-              </a:solidFill>
-            </a:endParaRPr>
           </a:p>
           <a:p>
             <a:r>
@@ -5379,26 +5341,13 @@
           <a:lstStyle/>
           <a:p>
             <a:r>
-              <a:rPr lang="ko-KR" altLang="en-US" b="1" dirty="0" smtClean="0">
+              <a:rPr lang="ko-KR" altLang="en-US" b="1" dirty="0">
                 <a:solidFill>
                   <a:srgbClr val="134873"/>
                 </a:solidFill>
               </a:rPr>
-              <a:t>개발</a:t>
-            </a:r>
-            <a:r>
-              <a:rPr lang="ko-KR" altLang="en-US" b="1" dirty="0" smtClean="0">
-                <a:solidFill>
-                  <a:srgbClr val="134873"/>
-                </a:solidFill>
-              </a:rPr>
-              <a:t>계획</a:t>
-            </a:r>
-            <a:endParaRPr lang="ko-KR" altLang="en-US" b="1" dirty="0">
-              <a:solidFill>
-                <a:srgbClr val="134873"/>
-              </a:solidFill>
-            </a:endParaRPr>
+              <a:t>개발계획</a:t>
+            </a:r>
           </a:p>
         </p:txBody>
       </p:sp>
@@ -5475,7 +5424,7 @@
           <a:lstStyle/>
           <a:p>
             <a:r>
-              <a:rPr lang="ko-KR" altLang="en-US" dirty="0" err="1" smtClean="0">
+              <a:rPr lang="ko-KR" altLang="en-US" dirty="0" err="1">
                 <a:solidFill>
                   <a:schemeClr val="tx1">
                     <a:lumMod val="65000"/>
@@ -5486,7 +5435,7 @@
               <a:t>타블렛</a:t>
             </a:r>
             <a:r>
-              <a:rPr lang="en-US" altLang="ko-KR" dirty="0" smtClean="0">
+              <a:rPr lang="en-US" altLang="ko-KR" dirty="0">
                 <a:solidFill>
                   <a:schemeClr val="tx1">
                     <a:lumMod val="65000"/>
@@ -5497,7 +5446,7 @@
               <a:t>, </a:t>
             </a:r>
             <a:r>
-              <a:rPr lang="ko-KR" altLang="en-US" dirty="0" smtClean="0">
+              <a:rPr lang="ko-KR" altLang="en-US" dirty="0">
                 <a:solidFill>
                   <a:schemeClr val="tx1">
                     <a:lumMod val="65000"/>
@@ -5959,7 +5908,7 @@
           <a:lstStyle/>
           <a:p>
             <a:r>
-              <a:rPr lang="ko-KR" altLang="en-US" dirty="0" err="1" smtClean="0">
+              <a:rPr lang="ko-KR" altLang="en-US" dirty="0" err="1">
                 <a:solidFill>
                   <a:schemeClr val="tx1">
                     <a:lumMod val="75000"/>
@@ -5970,7 +5919,7 @@
               <a:t>타블렛</a:t>
             </a:r>
             <a:r>
-              <a:rPr lang="ko-KR" altLang="en-US" dirty="0" smtClean="0">
+              <a:rPr lang="ko-KR" altLang="en-US" dirty="0">
                 <a:solidFill>
                   <a:schemeClr val="tx1">
                     <a:lumMod val="75000"/>
@@ -5981,7 +5930,7 @@
               <a:t> </a:t>
             </a:r>
             <a:r>
-              <a:rPr lang="en-US" altLang="ko-KR" dirty="0" smtClean="0">
+              <a:rPr lang="en-US" altLang="ko-KR" dirty="0">
                 <a:solidFill>
                   <a:schemeClr val="tx1">
                     <a:lumMod val="75000"/>
@@ -6025,7 +5974,7 @@
           <a:lstStyle/>
           <a:p>
             <a:r>
-              <a:rPr lang="ko-KR" altLang="en-US" dirty="0" smtClean="0">
+              <a:rPr lang="ko-KR" altLang="en-US" dirty="0">
                 <a:solidFill>
                   <a:schemeClr val="tx1">
                     <a:lumMod val="75000"/>
@@ -6506,17 +6455,16 @@
           <a:lstStyle/>
           <a:p>
             <a:r>
-              <a:rPr lang="ko-KR" altLang="en-US" dirty="0" smtClean="0"/>
+              <a:rPr lang="ko-KR" altLang="en-US" dirty="0"/>
               <a:t>클릭하면 연필 돌아가고 동그라미 생김</a:t>
             </a:r>
-            <a:endParaRPr lang="en-US" altLang="ko-KR" dirty="0" smtClean="0"/>
-          </a:p>
-          <a:p>
-            <a:r>
-              <a:rPr lang="ko-KR" altLang="en-US" dirty="0" smtClean="0"/>
+            <a:endParaRPr lang="en-US" altLang="ko-KR" dirty="0"/>
+          </a:p>
+          <a:p>
+            <a:r>
+              <a:rPr lang="ko-KR" altLang="en-US" dirty="0"/>
               <a:t>스피커는 그냥 날아오기</a:t>
             </a:r>
-            <a:endParaRPr lang="ko-KR" altLang="en-US" dirty="0"/>
           </a:p>
         </p:txBody>
       </p:sp>
@@ -7837,18 +7785,13 @@
           <a:lstStyle/>
           <a:p>
             <a:r>
-              <a:rPr lang="en-US" altLang="ko-KR" sz="2000" b="1" dirty="0" smtClean="0">
+              <a:rPr lang="en-US" altLang="ko-KR" sz="2000" b="1" dirty="0">
                 <a:solidFill>
                   <a:schemeClr val="bg1"/>
                 </a:solidFill>
               </a:rPr>
               <a:t>Part.5</a:t>
             </a:r>
-            <a:endParaRPr lang="en-US" altLang="ko-KR" sz="2000" b="1" dirty="0">
-              <a:solidFill>
-                <a:schemeClr val="bg1"/>
-              </a:solidFill>
-            </a:endParaRPr>
           </a:p>
           <a:p>
             <a:r>
@@ -8005,18 +7948,13 @@
           <a:lstStyle/>
           <a:p>
             <a:r>
-              <a:rPr lang="ko-KR" altLang="en-US" b="1" dirty="0" smtClean="0">
+              <a:rPr lang="ko-KR" altLang="en-US" b="1" dirty="0">
                 <a:solidFill>
                   <a:srgbClr val="134873"/>
                 </a:solidFill>
               </a:rPr>
               <a:t>개발계획</a:t>
             </a:r>
-            <a:endParaRPr lang="ko-KR" altLang="en-US" b="1" dirty="0">
-              <a:solidFill>
-                <a:srgbClr val="134873"/>
-              </a:solidFill>
-            </a:endParaRPr>
           </a:p>
         </p:txBody>
       </p:sp>
@@ -8142,7 +8080,7 @@
           <a:lstStyle/>
           <a:p>
             <a:r>
-              <a:rPr lang="en-US" altLang="ko-KR" b="1" dirty="0" smtClean="0">
+              <a:rPr lang="en-US" altLang="ko-KR" b="1" dirty="0">
                 <a:solidFill>
                   <a:schemeClr val="tx1">
                     <a:lumMod val="65000"/>
@@ -8153,7 +8091,7 @@
               <a:t>9</a:t>
             </a:r>
             <a:r>
-              <a:rPr lang="ko-KR" altLang="en-US" b="1" dirty="0" smtClean="0">
+              <a:rPr lang="ko-KR" altLang="en-US" b="1" dirty="0">
                 <a:solidFill>
                   <a:schemeClr val="tx1">
                     <a:lumMod val="65000"/>
@@ -8163,14 +8101,6 @@
               </a:rPr>
               <a:t>월 계획</a:t>
             </a:r>
-            <a:endParaRPr lang="ko-KR" altLang="en-US" b="1" dirty="0">
-              <a:solidFill>
-                <a:schemeClr val="tx1">
-                  <a:lumMod val="65000"/>
-                  <a:lumOff val="35000"/>
-                </a:schemeClr>
-              </a:solidFill>
-            </a:endParaRPr>
           </a:p>
         </p:txBody>
       </p:sp>
@@ -8301,7 +8231,7 @@
                     <a:p>
                       <a:pPr algn="ctr" latinLnBrk="1"/>
                       <a:r>
-                        <a:rPr lang="ko-KR" altLang="en-US" sz="1400" b="0" dirty="0" smtClean="0">
+                        <a:rPr lang="ko-KR" altLang="en-US" sz="1400" b="0" dirty="0">
                           <a:solidFill>
                             <a:srgbClr val="C00000"/>
                           </a:solidFill>
@@ -8310,13 +8240,6 @@
                         </a:rPr>
                         <a:t>일</a:t>
                       </a:r>
-                      <a:endParaRPr lang="ko-KR" altLang="en-US" sz="1400" b="0" dirty="0">
-                        <a:solidFill>
-                          <a:srgbClr val="C00000"/>
-                        </a:solidFill>
-                        <a:latin typeface="HY궁서" pitchFamily="18" charset="-127"/>
-                        <a:ea typeface="HY궁서" pitchFamily="18" charset="-127"/>
-                      </a:endParaRPr>
                     </a:p>
                   </a:txBody>
                   <a:tcPr marL="85105" marR="85105" marT="42553" marB="42553">
@@ -8332,7 +8255,7 @@
                     <a:p>
                       <a:pPr algn="ctr" latinLnBrk="1"/>
                       <a:r>
-                        <a:rPr lang="ko-KR" altLang="en-US" sz="1400" b="0" dirty="0" smtClean="0">
+                        <a:rPr lang="ko-KR" altLang="en-US" sz="1400" b="0" dirty="0">
                           <a:solidFill>
                             <a:schemeClr val="tx1"/>
                           </a:solidFill>
@@ -8341,13 +8264,6 @@
                         </a:rPr>
                         <a:t>월</a:t>
                       </a:r>
-                      <a:endParaRPr lang="ko-KR" altLang="en-US" sz="1400" b="0" dirty="0">
-                        <a:solidFill>
-                          <a:schemeClr val="tx1"/>
-                        </a:solidFill>
-                        <a:latin typeface="HY궁서" pitchFamily="18" charset="-127"/>
-                        <a:ea typeface="HY궁서" pitchFamily="18" charset="-127"/>
-                      </a:endParaRPr>
                     </a:p>
                   </a:txBody>
                   <a:tcPr marL="85105" marR="85105" marT="42553" marB="42553">
@@ -8363,7 +8279,7 @@
                     <a:p>
                       <a:pPr algn="ctr" latinLnBrk="1"/>
                       <a:r>
-                        <a:rPr lang="ko-KR" altLang="en-US" sz="1400" b="0" dirty="0" smtClean="0">
+                        <a:rPr lang="ko-KR" altLang="en-US" sz="1400" b="0" dirty="0">
                           <a:solidFill>
                             <a:schemeClr val="tx1"/>
                           </a:solidFill>
@@ -8372,13 +8288,6 @@
                         </a:rPr>
                         <a:t>화</a:t>
                       </a:r>
-                      <a:endParaRPr lang="ko-KR" altLang="en-US" sz="1400" b="0" dirty="0">
-                        <a:solidFill>
-                          <a:schemeClr val="tx1"/>
-                        </a:solidFill>
-                        <a:latin typeface="HY궁서" pitchFamily="18" charset="-127"/>
-                        <a:ea typeface="HY궁서" pitchFamily="18" charset="-127"/>
-                      </a:endParaRPr>
                     </a:p>
                   </a:txBody>
                   <a:tcPr marL="85105" marR="85105" marT="42553" marB="42553">
@@ -8394,7 +8303,7 @@
                     <a:p>
                       <a:pPr algn="ctr" latinLnBrk="1"/>
                       <a:r>
-                        <a:rPr lang="ko-KR" altLang="en-US" sz="1400" b="0" dirty="0" smtClean="0">
+                        <a:rPr lang="ko-KR" altLang="en-US" sz="1400" b="0" dirty="0">
                           <a:solidFill>
                             <a:schemeClr val="tx1"/>
                           </a:solidFill>
@@ -8403,13 +8312,6 @@
                         </a:rPr>
                         <a:t>수</a:t>
                       </a:r>
-                      <a:endParaRPr lang="ko-KR" altLang="en-US" sz="1400" b="0" dirty="0">
-                        <a:solidFill>
-                          <a:schemeClr val="tx1"/>
-                        </a:solidFill>
-                        <a:latin typeface="HY궁서" pitchFamily="18" charset="-127"/>
-                        <a:ea typeface="HY궁서" pitchFamily="18" charset="-127"/>
-                      </a:endParaRPr>
                     </a:p>
                   </a:txBody>
                   <a:tcPr marL="85105" marR="85105" marT="42553" marB="42553">
@@ -8425,7 +8327,7 @@
                     <a:p>
                       <a:pPr algn="ctr" latinLnBrk="1"/>
                       <a:r>
-                        <a:rPr lang="ko-KR" altLang="en-US" sz="1400" b="0" dirty="0" smtClean="0">
+                        <a:rPr lang="ko-KR" altLang="en-US" sz="1400" b="0" dirty="0">
                           <a:solidFill>
                             <a:schemeClr val="tx1"/>
                           </a:solidFill>
@@ -8434,13 +8336,6 @@
                         </a:rPr>
                         <a:t>목</a:t>
                       </a:r>
-                      <a:endParaRPr lang="ko-KR" altLang="en-US" sz="1400" b="0" dirty="0">
-                        <a:solidFill>
-                          <a:schemeClr val="tx1"/>
-                        </a:solidFill>
-                        <a:latin typeface="HY궁서" pitchFamily="18" charset="-127"/>
-                        <a:ea typeface="HY궁서" pitchFamily="18" charset="-127"/>
-                      </a:endParaRPr>
                     </a:p>
                   </a:txBody>
                   <a:tcPr marL="85105" marR="85105" marT="42553" marB="42553">
@@ -8456,7 +8351,7 @@
                     <a:p>
                       <a:pPr algn="ctr" latinLnBrk="1"/>
                       <a:r>
-                        <a:rPr lang="ko-KR" altLang="en-US" sz="1400" b="0" dirty="0" smtClean="0">
+                        <a:rPr lang="ko-KR" altLang="en-US" sz="1400" b="0" dirty="0">
                           <a:solidFill>
                             <a:schemeClr val="tx1"/>
                           </a:solidFill>
@@ -8465,13 +8360,6 @@
                         </a:rPr>
                         <a:t>금</a:t>
                       </a:r>
-                      <a:endParaRPr lang="ko-KR" altLang="en-US" sz="1400" b="0" dirty="0">
-                        <a:solidFill>
-                          <a:schemeClr val="tx1"/>
-                        </a:solidFill>
-                        <a:latin typeface="HY궁서" pitchFamily="18" charset="-127"/>
-                        <a:ea typeface="HY궁서" pitchFamily="18" charset="-127"/>
-                      </a:endParaRPr>
                     </a:p>
                   </a:txBody>
                   <a:tcPr marL="85105" marR="85105" marT="42553" marB="42553">
@@ -8487,7 +8375,7 @@
                     <a:p>
                       <a:pPr algn="ctr" latinLnBrk="1"/>
                       <a:r>
-                        <a:rPr lang="ko-KR" altLang="en-US" sz="1400" b="0" dirty="0" smtClean="0">
+                        <a:rPr lang="ko-KR" altLang="en-US" sz="1400" b="0" dirty="0">
                           <a:solidFill>
                             <a:schemeClr val="tx1"/>
                           </a:solidFill>
@@ -8496,13 +8384,6 @@
                         </a:rPr>
                         <a:t>토</a:t>
                       </a:r>
-                      <a:endParaRPr lang="ko-KR" altLang="en-US" sz="1400" b="0" dirty="0">
-                        <a:solidFill>
-                          <a:schemeClr val="tx1"/>
-                        </a:solidFill>
-                        <a:latin typeface="HY궁서" pitchFamily="18" charset="-127"/>
-                        <a:ea typeface="HY궁서" pitchFamily="18" charset="-127"/>
-                      </a:endParaRPr>
                     </a:p>
                   </a:txBody>
                   <a:tcPr marL="85105" marR="85105" marT="42553" marB="42553">
@@ -8525,7 +8406,7 @@
                     <a:p>
                       <a:pPr algn="ctr" latinLnBrk="1"/>
                       <a:r>
-                        <a:rPr lang="en-US" altLang="ko-KR" sz="1400" dirty="0" smtClean="0">
+                        <a:rPr lang="en-US" altLang="ko-KR" sz="1400" dirty="0">
                           <a:solidFill>
                             <a:srgbClr val="C00000"/>
                           </a:solidFill>
@@ -8556,7 +8437,7 @@
                     <a:p>
                       <a:pPr algn="ctr" latinLnBrk="1"/>
                       <a:r>
-                        <a:rPr lang="en-US" altLang="ko-KR" sz="1400" dirty="0" smtClean="0">
+                        <a:rPr lang="en-US" altLang="ko-KR" sz="1400" dirty="0">
                           <a:latin typeface="HY궁서" pitchFamily="18" charset="-127"/>
                           <a:ea typeface="HY궁서" pitchFamily="18" charset="-127"/>
                         </a:rPr>
@@ -8581,7 +8462,7 @@
                     <a:p>
                       <a:pPr algn="ctr" latinLnBrk="1"/>
                       <a:r>
-                        <a:rPr lang="en-US" altLang="ko-KR" sz="1400" dirty="0" smtClean="0">
+                        <a:rPr lang="en-US" altLang="ko-KR" sz="1400" dirty="0">
                           <a:latin typeface="HY궁서" pitchFamily="18" charset="-127"/>
                           <a:ea typeface="HY궁서" pitchFamily="18" charset="-127"/>
                         </a:rPr>
@@ -8606,7 +8487,7 @@
                     <a:p>
                       <a:pPr algn="ctr" latinLnBrk="1"/>
                       <a:r>
-                        <a:rPr lang="en-US" altLang="ko-KR" sz="1400" dirty="0" smtClean="0">
+                        <a:rPr lang="en-US" altLang="ko-KR" sz="1400" dirty="0">
                           <a:latin typeface="HY궁서" pitchFamily="18" charset="-127"/>
                           <a:ea typeface="HY궁서" pitchFamily="18" charset="-127"/>
                         </a:rPr>
@@ -8631,7 +8512,7 @@
                     <a:p>
                       <a:pPr algn="ctr" latinLnBrk="1"/>
                       <a:r>
-                        <a:rPr lang="en-US" altLang="ko-KR" sz="1400" dirty="0" smtClean="0">
+                        <a:rPr lang="en-US" altLang="ko-KR" sz="1400" dirty="0">
                           <a:latin typeface="HY궁서" pitchFamily="18" charset="-127"/>
                           <a:ea typeface="HY궁서" pitchFamily="18" charset="-127"/>
                         </a:rPr>
@@ -8656,7 +8537,7 @@
                     <a:p>
                       <a:pPr algn="ctr" latinLnBrk="1"/>
                       <a:r>
-                        <a:rPr lang="en-US" altLang="ko-KR" sz="1400" dirty="0" smtClean="0">
+                        <a:rPr lang="en-US" altLang="ko-KR" sz="1400" dirty="0">
                           <a:latin typeface="HY궁서" pitchFamily="18" charset="-127"/>
                           <a:ea typeface="HY궁서" pitchFamily="18" charset="-127"/>
                         </a:rPr>
@@ -8681,7 +8562,7 @@
                     <a:p>
                       <a:pPr algn="ctr" latinLnBrk="1"/>
                       <a:r>
-                        <a:rPr lang="en-US" altLang="ko-KR" sz="1400" dirty="0" smtClean="0">
+                        <a:rPr lang="en-US" altLang="ko-KR" sz="1400" dirty="0">
                           <a:solidFill>
                             <a:srgbClr val="6666FF"/>
                           </a:solidFill>
@@ -8719,7 +8600,7 @@
                     <a:p>
                       <a:pPr algn="ctr" latinLnBrk="1"/>
                       <a:r>
-                        <a:rPr lang="en-US" altLang="ko-KR" sz="1400" dirty="0" smtClean="0">
+                        <a:rPr lang="en-US" altLang="ko-KR" sz="1400" dirty="0">
                           <a:solidFill>
                             <a:srgbClr val="C00000"/>
                           </a:solidFill>
@@ -8750,7 +8631,7 @@
                     <a:p>
                       <a:pPr algn="ctr" latinLnBrk="1"/>
                       <a:r>
-                        <a:rPr lang="en-US" altLang="ko-KR" sz="1400" dirty="0" smtClean="0">
+                        <a:rPr lang="en-US" altLang="ko-KR" sz="1400" dirty="0">
                           <a:latin typeface="HY궁서" pitchFamily="18" charset="-127"/>
                           <a:ea typeface="HY궁서" pitchFamily="18" charset="-127"/>
                         </a:rPr>
@@ -8775,7 +8656,7 @@
                     <a:p>
                       <a:pPr algn="ctr" latinLnBrk="1"/>
                       <a:r>
-                        <a:rPr lang="en-US" altLang="ko-KR" sz="1400" dirty="0" smtClean="0">
+                        <a:rPr lang="en-US" altLang="ko-KR" sz="1400" dirty="0">
                           <a:latin typeface="HY궁서" pitchFamily="18" charset="-127"/>
                           <a:ea typeface="HY궁서" pitchFamily="18" charset="-127"/>
                         </a:rPr>
@@ -8800,7 +8681,7 @@
                     <a:p>
                       <a:pPr algn="ctr" latinLnBrk="1"/>
                       <a:r>
-                        <a:rPr lang="en-US" altLang="ko-KR" sz="1400" dirty="0" smtClean="0">
+                        <a:rPr lang="en-US" altLang="ko-KR" sz="1400" dirty="0">
                           <a:latin typeface="HY궁서" pitchFamily="18" charset="-127"/>
                           <a:ea typeface="HY궁서" pitchFamily="18" charset="-127"/>
                         </a:rPr>
@@ -8825,7 +8706,7 @@
                     <a:p>
                       <a:pPr algn="ctr" latinLnBrk="1"/>
                       <a:r>
-                        <a:rPr lang="en-US" altLang="ko-KR" sz="1400" dirty="0" smtClean="0">
+                        <a:rPr lang="en-US" altLang="ko-KR" sz="1400" dirty="0">
                           <a:solidFill>
                             <a:srgbClr val="C00000"/>
                           </a:solidFill>
@@ -8856,7 +8737,7 @@
                     <a:p>
                       <a:pPr algn="ctr" latinLnBrk="1"/>
                       <a:r>
-                        <a:rPr lang="en-US" altLang="ko-KR" sz="1400" dirty="0" smtClean="0">
+                        <a:rPr lang="en-US" altLang="ko-KR" sz="1400" dirty="0">
                           <a:solidFill>
                             <a:srgbClr val="C00000"/>
                           </a:solidFill>
@@ -8887,7 +8768,7 @@
                     <a:p>
                       <a:pPr algn="ctr" latinLnBrk="1"/>
                       <a:r>
-                        <a:rPr lang="en-US" altLang="ko-KR" sz="1400" dirty="0" smtClean="0">
+                        <a:rPr lang="en-US" altLang="ko-KR" sz="1400" dirty="0">
                           <a:solidFill>
                             <a:srgbClr val="FF0000"/>
                           </a:solidFill>
@@ -8925,7 +8806,7 @@
                     <a:p>
                       <a:pPr algn="ctr" latinLnBrk="1"/>
                       <a:r>
-                        <a:rPr lang="en-US" altLang="ko-KR" sz="1400" dirty="0" smtClean="0">
+                        <a:rPr lang="en-US" altLang="ko-KR" sz="1400" dirty="0">
                           <a:solidFill>
                             <a:srgbClr val="C00000"/>
                           </a:solidFill>
@@ -8956,7 +8837,7 @@
                     <a:p>
                       <a:pPr algn="ctr" latinLnBrk="1"/>
                       <a:r>
-                        <a:rPr lang="en-US" altLang="ko-KR" sz="1400" dirty="0" smtClean="0">
+                        <a:rPr lang="en-US" altLang="ko-KR" sz="1400" dirty="0">
                           <a:latin typeface="HY궁서" pitchFamily="18" charset="-127"/>
                           <a:ea typeface="HY궁서" pitchFamily="18" charset="-127"/>
                         </a:rPr>
@@ -8981,7 +8862,7 @@
                     <a:p>
                       <a:pPr algn="ctr" latinLnBrk="1"/>
                       <a:r>
-                        <a:rPr lang="en-US" altLang="ko-KR" sz="1400" dirty="0" smtClean="0">
+                        <a:rPr lang="en-US" altLang="ko-KR" sz="1400" dirty="0">
                           <a:latin typeface="HY궁서" pitchFamily="18" charset="-127"/>
                           <a:ea typeface="HY궁서" pitchFamily="18" charset="-127"/>
                         </a:rPr>
@@ -9006,7 +8887,7 @@
                     <a:p>
                       <a:pPr algn="ctr" latinLnBrk="1"/>
                       <a:r>
-                        <a:rPr lang="en-US" altLang="ko-KR" sz="1400" dirty="0" smtClean="0">
+                        <a:rPr lang="en-US" altLang="ko-KR" sz="1400" dirty="0">
                           <a:latin typeface="HY궁서" pitchFamily="18" charset="-127"/>
                           <a:ea typeface="HY궁서" pitchFamily="18" charset="-127"/>
                         </a:rPr>
@@ -9031,7 +8912,7 @@
                     <a:p>
                       <a:pPr algn="ctr" latinLnBrk="1"/>
                       <a:r>
-                        <a:rPr lang="en-US" altLang="ko-KR" sz="1400" dirty="0" smtClean="0">
+                        <a:rPr lang="en-US" altLang="ko-KR" sz="1400" dirty="0">
                           <a:latin typeface="HY궁서" pitchFamily="18" charset="-127"/>
                           <a:ea typeface="HY궁서" pitchFamily="18" charset="-127"/>
                         </a:rPr>
@@ -9056,7 +8937,7 @@
                     <a:p>
                       <a:pPr algn="ctr" latinLnBrk="1"/>
                       <a:r>
-                        <a:rPr lang="en-US" altLang="ko-KR" sz="1400" dirty="0" smtClean="0">
+                        <a:rPr lang="en-US" altLang="ko-KR" sz="1400" dirty="0">
                           <a:latin typeface="HY궁서" pitchFamily="18" charset="-127"/>
                           <a:ea typeface="HY궁서" pitchFamily="18" charset="-127"/>
                         </a:rPr>
@@ -9081,7 +8962,7 @@
                     <a:p>
                       <a:pPr algn="ctr" latinLnBrk="1"/>
                       <a:r>
-                        <a:rPr lang="en-US" altLang="ko-KR" sz="1400" dirty="0" smtClean="0">
+                        <a:rPr lang="en-US" altLang="ko-KR" sz="1400" dirty="0">
                           <a:solidFill>
                             <a:srgbClr val="6666FF"/>
                           </a:solidFill>
@@ -9119,7 +9000,7 @@
                     <a:p>
                       <a:pPr algn="ctr" latinLnBrk="1"/>
                       <a:r>
-                        <a:rPr lang="en-US" altLang="ko-KR" sz="1400" dirty="0" smtClean="0">
+                        <a:rPr lang="en-US" altLang="ko-KR" sz="1400" dirty="0">
                           <a:solidFill>
                             <a:srgbClr val="C00000"/>
                           </a:solidFill>
@@ -9150,7 +9031,7 @@
                     <a:p>
                       <a:pPr algn="ctr" latinLnBrk="1"/>
                       <a:r>
-                        <a:rPr lang="en-US" altLang="ko-KR" sz="1400" dirty="0" smtClean="0">
+                        <a:rPr lang="en-US" altLang="ko-KR" sz="1400" dirty="0">
                           <a:latin typeface="HY궁서" pitchFamily="18" charset="-127"/>
                           <a:ea typeface="HY궁서" pitchFamily="18" charset="-127"/>
                         </a:rPr>
@@ -9175,7 +9056,7 @@
                     <a:p>
                       <a:pPr algn="ctr" latinLnBrk="1"/>
                       <a:r>
-                        <a:rPr lang="en-US" altLang="ko-KR" sz="1400" dirty="0" smtClean="0">
+                        <a:rPr lang="en-US" altLang="ko-KR" sz="1400" dirty="0">
                           <a:latin typeface="HY궁서" pitchFamily="18" charset="-127"/>
                           <a:ea typeface="HY궁서" pitchFamily="18" charset="-127"/>
                         </a:rPr>
@@ -9200,7 +9081,7 @@
                     <a:p>
                       <a:pPr algn="ctr" latinLnBrk="1"/>
                       <a:r>
-                        <a:rPr lang="en-US" altLang="ko-KR" sz="1400" dirty="0" smtClean="0">
+                        <a:rPr lang="en-US" altLang="ko-KR" sz="1400" dirty="0">
                           <a:latin typeface="HY궁서" pitchFamily="18" charset="-127"/>
                           <a:ea typeface="HY궁서" pitchFamily="18" charset="-127"/>
                         </a:rPr>
@@ -9225,7 +9106,7 @@
                     <a:p>
                       <a:pPr algn="ctr" latinLnBrk="1"/>
                       <a:r>
-                        <a:rPr lang="en-US" altLang="ko-KR" sz="1400" dirty="0" smtClean="0">
+                        <a:rPr lang="en-US" altLang="ko-KR" sz="1400" dirty="0">
                           <a:latin typeface="HY궁서" pitchFamily="18" charset="-127"/>
                           <a:ea typeface="HY궁서" pitchFamily="18" charset="-127"/>
                         </a:rPr>
@@ -9250,7 +9131,7 @@
                     <a:p>
                       <a:pPr algn="ctr" latinLnBrk="1"/>
                       <a:r>
-                        <a:rPr lang="en-US" altLang="ko-KR" sz="1400" dirty="0" smtClean="0">
+                        <a:rPr lang="en-US" altLang="ko-KR" sz="1400" dirty="0">
                           <a:latin typeface="HY궁서" pitchFamily="18" charset="-127"/>
                           <a:ea typeface="HY궁서" pitchFamily="18" charset="-127"/>
                         </a:rPr>
@@ -9275,7 +9156,7 @@
                     <a:p>
                       <a:pPr algn="ctr" latinLnBrk="1"/>
                       <a:r>
-                        <a:rPr lang="en-US" altLang="ko-KR" sz="1400" dirty="0" smtClean="0">
+                        <a:rPr lang="en-US" altLang="ko-KR" sz="1400" dirty="0">
                           <a:solidFill>
                             <a:srgbClr val="6666FF"/>
                           </a:solidFill>
@@ -9313,7 +9194,7 @@
                     <a:p>
                       <a:pPr algn="ctr" latinLnBrk="1"/>
                       <a:r>
-                        <a:rPr lang="en-US" altLang="ko-KR" sz="1400" dirty="0" smtClean="0">
+                        <a:rPr lang="en-US" altLang="ko-KR" sz="1400" dirty="0">
                           <a:solidFill>
                             <a:srgbClr val="C00000"/>
                           </a:solidFill>
@@ -9344,7 +9225,7 @@
                     <a:p>
                       <a:pPr algn="ctr" latinLnBrk="1"/>
                       <a:r>
-                        <a:rPr lang="en-US" altLang="ko-KR" sz="1400" dirty="0" smtClean="0">
+                        <a:rPr lang="en-US" altLang="ko-KR" sz="1400" dirty="0">
                           <a:latin typeface="HY궁서" pitchFamily="18" charset="-127"/>
                           <a:ea typeface="HY궁서" pitchFamily="18" charset="-127"/>
                         </a:rPr>
@@ -9369,7 +9250,7 @@
                     <a:p>
                       <a:pPr algn="ctr" latinLnBrk="1"/>
                       <a:r>
-                        <a:rPr lang="en-US" altLang="ko-KR" sz="1400" dirty="0" smtClean="0">
+                        <a:rPr lang="en-US" altLang="ko-KR" sz="1400" dirty="0">
                           <a:latin typeface="HY궁서" pitchFamily="18" charset="-127"/>
                           <a:ea typeface="HY궁서" pitchFamily="18" charset="-127"/>
                         </a:rPr>
@@ -9394,7 +9275,7 @@
                     <a:p>
                       <a:pPr algn="ctr" latinLnBrk="1"/>
                       <a:r>
-                        <a:rPr lang="en-US" altLang="ko-KR" sz="1400" dirty="0" smtClean="0">
+                        <a:rPr lang="en-US" altLang="ko-KR" sz="1400" dirty="0">
                           <a:latin typeface="HY궁서" pitchFamily="18" charset="-127"/>
                           <a:ea typeface="HY궁서" pitchFamily="18" charset="-127"/>
                         </a:rPr>
@@ -9419,7 +9300,7 @@
                     <a:p>
                       <a:pPr algn="ctr" latinLnBrk="1"/>
                       <a:r>
-                        <a:rPr lang="en-US" altLang="ko-KR" sz="1400" dirty="0" smtClean="0">
+                        <a:rPr lang="en-US" altLang="ko-KR" sz="1400" dirty="0">
                           <a:latin typeface="HY궁서" pitchFamily="18" charset="-127"/>
                           <a:ea typeface="HY궁서" pitchFamily="18" charset="-127"/>
                         </a:rPr>
@@ -9444,7 +9325,7 @@
                     <a:p>
                       <a:pPr algn="ctr" latinLnBrk="1"/>
                       <a:r>
-                        <a:rPr lang="en-US" altLang="ko-KR" sz="1400" dirty="0" smtClean="0">
+                        <a:rPr lang="en-US" altLang="ko-KR" sz="1400" dirty="0">
                           <a:latin typeface="HY궁서" pitchFamily="18" charset="-127"/>
                           <a:ea typeface="HY궁서" pitchFamily="18" charset="-127"/>
                         </a:rPr>
@@ -9469,7 +9350,7 @@
                     <a:p>
                       <a:pPr algn="ctr" latinLnBrk="1"/>
                       <a:r>
-                        <a:rPr lang="en-US" altLang="ko-KR" sz="1400" dirty="0" smtClean="0">
+                        <a:rPr lang="en-US" altLang="ko-KR" sz="1400" dirty="0">
                           <a:solidFill>
                             <a:srgbClr val="6666FF"/>
                           </a:solidFill>
@@ -9545,10 +9426,9 @@
           <a:lstStyle/>
           <a:p>
             <a:r>
-              <a:rPr lang="ko-KR" altLang="en-US" sz="1400" b="1" dirty="0" smtClean="0"/>
+              <a:rPr lang="ko-KR" altLang="en-US" sz="1400" b="1" dirty="0"/>
               <a:t>마우스 휠 </a:t>
             </a:r>
-            <a:endParaRPr lang="ko-KR" altLang="en-US" sz="1400" b="1" dirty="0"/>
           </a:p>
         </p:txBody>
       </p:sp>
@@ -9597,47 +9477,47 @@
           <a:lstStyle/>
           <a:p>
             <a:r>
-              <a:rPr lang="ko-KR" altLang="en-US" sz="1400" b="1" dirty="0" smtClean="0"/>
+              <a:rPr lang="ko-KR" altLang="en-US" sz="1400" b="1" dirty="0"/>
               <a:t>디자인</a:t>
             </a:r>
             <a:r>
-              <a:rPr lang="en-US" altLang="ko-KR" sz="1400" b="1" dirty="0" smtClean="0"/>
+              <a:rPr lang="en-US" altLang="ko-KR" sz="1400" b="1" dirty="0"/>
               <a:t>, </a:t>
             </a:r>
             <a:r>
-              <a:rPr lang="ko-KR" altLang="en-US" sz="1400" b="1" dirty="0" smtClean="0"/>
+              <a:rPr lang="ko-KR" altLang="en-US" sz="1400" b="1" dirty="0"/>
               <a:t>서버</a:t>
             </a:r>
             <a:r>
-              <a:rPr lang="en-US" altLang="ko-KR" sz="1400" b="1" dirty="0" smtClean="0"/>
+              <a:rPr lang="en-US" altLang="ko-KR" sz="1400" b="1" dirty="0"/>
               <a:t>/</a:t>
             </a:r>
             <a:r>
-              <a:rPr lang="ko-KR" altLang="en-US" sz="1400" b="1" dirty="0" smtClean="0"/>
+              <a:rPr lang="ko-KR" altLang="en-US" sz="1400" b="1" dirty="0"/>
               <a:t>클라이언트</a:t>
             </a:r>
             <a:r>
-              <a:rPr lang="en-US" altLang="ko-KR" sz="1400" b="1" dirty="0" smtClean="0"/>
+              <a:rPr lang="en-US" altLang="ko-KR" sz="1400" b="1" dirty="0"/>
               <a:t>, </a:t>
             </a:r>
             <a:r>
-              <a:rPr lang="ko-KR" altLang="en-US" sz="1400" b="1" dirty="0" err="1" smtClean="0"/>
+              <a:rPr lang="ko-KR" altLang="en-US" sz="1400" b="1" dirty="0" err="1"/>
               <a:t>메인화면구성</a:t>
             </a:r>
             <a:r>
-              <a:rPr lang="ko-KR" altLang="en-US" sz="1400" b="1" dirty="0" smtClean="0"/>
+              <a:rPr lang="ko-KR" altLang="en-US" sz="1400" b="1" dirty="0"/>
               <a:t> </a:t>
             </a:r>
             <a:r>
-              <a:rPr lang="en-US" altLang="ko-KR" sz="1400" b="1" dirty="0" smtClean="0"/>
+              <a:rPr lang="en-US" altLang="ko-KR" sz="1400" b="1" dirty="0"/>
               <a:t>(</a:t>
             </a:r>
             <a:r>
-              <a:rPr lang="ko-KR" altLang="en-US" sz="1400" b="1" dirty="0" smtClean="0"/>
+              <a:rPr lang="ko-KR" altLang="en-US" sz="1400" b="1" dirty="0"/>
               <a:t>사용설명서 추가</a:t>
             </a:r>
             <a:r>
-              <a:rPr lang="en-US" altLang="ko-KR" sz="1400" b="1" dirty="0" smtClean="0"/>
+              <a:rPr lang="en-US" altLang="ko-KR" sz="1400" b="1" dirty="0"/>
               <a:t>) </a:t>
             </a:r>
             <a:endParaRPr lang="ko-KR" altLang="en-US" sz="1400" b="1" dirty="0"/>
@@ -9689,14 +9569,13 @@
           <a:lstStyle/>
           <a:p>
             <a:r>
-              <a:rPr lang="ko-KR" altLang="en-US" sz="1400" b="1" dirty="0" err="1" smtClean="0"/>
+              <a:rPr lang="ko-KR" altLang="en-US" sz="1400" b="1" dirty="0" err="1"/>
               <a:t>타블렛</a:t>
             </a:r>
             <a:r>
-              <a:rPr lang="ko-KR" altLang="en-US" sz="1400" b="1" dirty="0" smtClean="0"/>
+              <a:rPr lang="ko-KR" altLang="en-US" sz="1400" b="1" dirty="0"/>
               <a:t> 기능</a:t>
             </a:r>
-            <a:endParaRPr lang="ko-KR" altLang="en-US" sz="1400" b="1" dirty="0"/>
           </a:p>
         </p:txBody>
       </p:sp>
@@ -9710,13 +9589,6 @@
   <p:clrMapOvr>
     <a:masterClrMapping/>
   </p:clrMapOvr>
-  <p:timing>
-    <p:tnLst>
-      <p:par>
-        <p:cTn id="1" dur="indefinite" restart="never" nodeType="tmRoot"/>
-      </p:par>
-    </p:tnLst>
-  </p:timing>
 </p:sld>
 </file>
 
@@ -9981,18 +9853,13 @@
           <a:lstStyle/>
           <a:p>
             <a:r>
-              <a:rPr lang="en-US" altLang="ko-KR" sz="2000" b="1" dirty="0" smtClean="0">
+              <a:rPr lang="en-US" altLang="ko-KR" sz="2000" b="1" dirty="0">
                 <a:solidFill>
                   <a:schemeClr val="bg1"/>
                 </a:solidFill>
               </a:rPr>
               <a:t>Part.5</a:t>
             </a:r>
-            <a:endParaRPr lang="en-US" altLang="ko-KR" sz="2000" b="1" dirty="0">
-              <a:solidFill>
-                <a:schemeClr val="bg1"/>
-              </a:solidFill>
-            </a:endParaRPr>
           </a:p>
           <a:p>
             <a:r>
@@ -10149,18 +10016,13 @@
           <a:lstStyle/>
           <a:p>
             <a:r>
-              <a:rPr lang="ko-KR" altLang="en-US" b="1" dirty="0" smtClean="0">
+              <a:rPr lang="ko-KR" altLang="en-US" b="1" dirty="0">
                 <a:solidFill>
                   <a:srgbClr val="134873"/>
                 </a:solidFill>
               </a:rPr>
               <a:t>개발계획</a:t>
             </a:r>
-            <a:endParaRPr lang="ko-KR" altLang="en-US" b="1" dirty="0">
-              <a:solidFill>
-                <a:srgbClr val="134873"/>
-              </a:solidFill>
-            </a:endParaRPr>
           </a:p>
         </p:txBody>
       </p:sp>
@@ -10286,7 +10148,7 @@
           <a:lstStyle/>
           <a:p>
             <a:r>
-              <a:rPr lang="en-US" altLang="ko-KR" b="1" dirty="0" smtClean="0">
+              <a:rPr lang="en-US" altLang="ko-KR" b="1" dirty="0">
                 <a:solidFill>
                   <a:schemeClr val="tx1">
                     <a:lumMod val="65000"/>
@@ -10297,7 +10159,7 @@
               <a:t>10</a:t>
             </a:r>
             <a:r>
-              <a:rPr lang="ko-KR" altLang="en-US" b="1" dirty="0" smtClean="0">
+              <a:rPr lang="ko-KR" altLang="en-US" b="1" dirty="0">
                 <a:solidFill>
                   <a:schemeClr val="tx1">
                     <a:lumMod val="65000"/>
@@ -10307,14 +10169,6 @@
               </a:rPr>
               <a:t>월 계획</a:t>
             </a:r>
-            <a:endParaRPr lang="ko-KR" altLang="en-US" b="1" dirty="0">
-              <a:solidFill>
-                <a:schemeClr val="tx1">
-                  <a:lumMod val="65000"/>
-                  <a:lumOff val="35000"/>
-                </a:schemeClr>
-              </a:solidFill>
-            </a:endParaRPr>
           </a:p>
         </p:txBody>
       </p:sp>
@@ -10445,7 +10299,7 @@
                     <a:p>
                       <a:pPr algn="ctr" latinLnBrk="1"/>
                       <a:r>
-                        <a:rPr lang="ko-KR" altLang="en-US" sz="1400" b="0" dirty="0" smtClean="0">
+                        <a:rPr lang="ko-KR" altLang="en-US" sz="1400" b="0" dirty="0">
                           <a:solidFill>
                             <a:srgbClr val="C00000"/>
                           </a:solidFill>
@@ -10454,13 +10308,6 @@
                         </a:rPr>
                         <a:t>일</a:t>
                       </a:r>
-                      <a:endParaRPr lang="ko-KR" altLang="en-US" sz="1400" b="0" dirty="0">
-                        <a:solidFill>
-                          <a:srgbClr val="C00000"/>
-                        </a:solidFill>
-                        <a:latin typeface="HY궁서" pitchFamily="18" charset="-127"/>
-                        <a:ea typeface="HY궁서" pitchFamily="18" charset="-127"/>
-                      </a:endParaRPr>
                     </a:p>
                   </a:txBody>
                   <a:tcPr marL="85105" marR="85105" marT="42553" marB="42553">
@@ -10476,7 +10323,7 @@
                     <a:p>
                       <a:pPr algn="ctr" latinLnBrk="1"/>
                       <a:r>
-                        <a:rPr lang="ko-KR" altLang="en-US" sz="1400" b="0" dirty="0" smtClean="0">
+                        <a:rPr lang="ko-KR" altLang="en-US" sz="1400" b="0" dirty="0">
                           <a:solidFill>
                             <a:schemeClr val="tx1"/>
                           </a:solidFill>
@@ -10485,13 +10332,6 @@
                         </a:rPr>
                         <a:t>월</a:t>
                       </a:r>
-                      <a:endParaRPr lang="ko-KR" altLang="en-US" sz="1400" b="0" dirty="0">
-                        <a:solidFill>
-                          <a:schemeClr val="tx1"/>
-                        </a:solidFill>
-                        <a:latin typeface="HY궁서" pitchFamily="18" charset="-127"/>
-                        <a:ea typeface="HY궁서" pitchFamily="18" charset="-127"/>
-                      </a:endParaRPr>
                     </a:p>
                   </a:txBody>
                   <a:tcPr marL="85105" marR="85105" marT="42553" marB="42553">
@@ -10507,7 +10347,7 @@
                     <a:p>
                       <a:pPr algn="ctr" latinLnBrk="1"/>
                       <a:r>
-                        <a:rPr lang="ko-KR" altLang="en-US" sz="1400" b="0" dirty="0" smtClean="0">
+                        <a:rPr lang="ko-KR" altLang="en-US" sz="1400" b="0" dirty="0">
                           <a:solidFill>
                             <a:schemeClr val="tx1"/>
                           </a:solidFill>
@@ -10516,13 +10356,6 @@
                         </a:rPr>
                         <a:t>화</a:t>
                       </a:r>
-                      <a:endParaRPr lang="ko-KR" altLang="en-US" sz="1400" b="0" dirty="0">
-                        <a:solidFill>
-                          <a:schemeClr val="tx1"/>
-                        </a:solidFill>
-                        <a:latin typeface="HY궁서" pitchFamily="18" charset="-127"/>
-                        <a:ea typeface="HY궁서" pitchFamily="18" charset="-127"/>
-                      </a:endParaRPr>
                     </a:p>
                   </a:txBody>
                   <a:tcPr marL="85105" marR="85105" marT="42553" marB="42553">
@@ -10538,7 +10371,7 @@
                     <a:p>
                       <a:pPr algn="ctr" latinLnBrk="1"/>
                       <a:r>
-                        <a:rPr lang="ko-KR" altLang="en-US" sz="1400" b="0" dirty="0" smtClean="0">
+                        <a:rPr lang="ko-KR" altLang="en-US" sz="1400" b="0" dirty="0">
                           <a:solidFill>
                             <a:schemeClr val="tx1"/>
                           </a:solidFill>
@@ -10547,13 +10380,6 @@
                         </a:rPr>
                         <a:t>수</a:t>
                       </a:r>
-                      <a:endParaRPr lang="ko-KR" altLang="en-US" sz="1400" b="0" dirty="0">
-                        <a:solidFill>
-                          <a:schemeClr val="tx1"/>
-                        </a:solidFill>
-                        <a:latin typeface="HY궁서" pitchFamily="18" charset="-127"/>
-                        <a:ea typeface="HY궁서" pitchFamily="18" charset="-127"/>
-                      </a:endParaRPr>
                     </a:p>
                   </a:txBody>
                   <a:tcPr marL="85105" marR="85105" marT="42553" marB="42553">
@@ -10569,7 +10395,7 @@
                     <a:p>
                       <a:pPr algn="ctr" latinLnBrk="1"/>
                       <a:r>
-                        <a:rPr lang="ko-KR" altLang="en-US" sz="1400" b="0" dirty="0" smtClean="0">
+                        <a:rPr lang="ko-KR" altLang="en-US" sz="1400" b="0" dirty="0">
                           <a:solidFill>
                             <a:schemeClr val="tx1"/>
                           </a:solidFill>
@@ -10578,13 +10404,6 @@
                         </a:rPr>
                         <a:t>목</a:t>
                       </a:r>
-                      <a:endParaRPr lang="ko-KR" altLang="en-US" sz="1400" b="0" dirty="0">
-                        <a:solidFill>
-                          <a:schemeClr val="tx1"/>
-                        </a:solidFill>
-                        <a:latin typeface="HY궁서" pitchFamily="18" charset="-127"/>
-                        <a:ea typeface="HY궁서" pitchFamily="18" charset="-127"/>
-                      </a:endParaRPr>
                     </a:p>
                   </a:txBody>
                   <a:tcPr marL="85105" marR="85105" marT="42553" marB="42553">
@@ -10600,7 +10419,7 @@
                     <a:p>
                       <a:pPr algn="ctr" latinLnBrk="1"/>
                       <a:r>
-                        <a:rPr lang="ko-KR" altLang="en-US" sz="1400" b="0" dirty="0" smtClean="0">
+                        <a:rPr lang="ko-KR" altLang="en-US" sz="1400" b="0" dirty="0">
                           <a:solidFill>
                             <a:schemeClr val="tx1"/>
                           </a:solidFill>
@@ -10609,13 +10428,6 @@
                         </a:rPr>
                         <a:t>금</a:t>
                       </a:r>
-                      <a:endParaRPr lang="ko-KR" altLang="en-US" sz="1400" b="0" dirty="0">
-                        <a:solidFill>
-                          <a:schemeClr val="tx1"/>
-                        </a:solidFill>
-                        <a:latin typeface="HY궁서" pitchFamily="18" charset="-127"/>
-                        <a:ea typeface="HY궁서" pitchFamily="18" charset="-127"/>
-                      </a:endParaRPr>
                     </a:p>
                   </a:txBody>
                   <a:tcPr marL="85105" marR="85105" marT="42553" marB="42553">
@@ -10631,7 +10443,7 @@
                     <a:p>
                       <a:pPr algn="ctr" latinLnBrk="1"/>
                       <a:r>
-                        <a:rPr lang="ko-KR" altLang="en-US" sz="1400" b="0" dirty="0" smtClean="0">
+                        <a:rPr lang="ko-KR" altLang="en-US" sz="1400" b="0" dirty="0">
                           <a:solidFill>
                             <a:schemeClr val="tx1"/>
                           </a:solidFill>
@@ -10640,13 +10452,6 @@
                         </a:rPr>
                         <a:t>토</a:t>
                       </a:r>
-                      <a:endParaRPr lang="ko-KR" altLang="en-US" sz="1400" b="0" dirty="0">
-                        <a:solidFill>
-                          <a:schemeClr val="tx1"/>
-                        </a:solidFill>
-                        <a:latin typeface="HY궁서" pitchFamily="18" charset="-127"/>
-                        <a:ea typeface="HY궁서" pitchFamily="18" charset="-127"/>
-                      </a:endParaRPr>
                     </a:p>
                   </a:txBody>
                   <a:tcPr marL="85105" marR="85105" marT="42553" marB="42553">
@@ -10669,7 +10474,7 @@
                     <a:p>
                       <a:pPr algn="ctr" latinLnBrk="1"/>
                       <a:r>
-                        <a:rPr lang="en-US" altLang="ko-KR" sz="1400" dirty="0" smtClean="0">
+                        <a:rPr lang="en-US" altLang="ko-KR" sz="1400" dirty="0">
                           <a:solidFill>
                             <a:srgbClr val="C00000"/>
                           </a:solidFill>
@@ -10700,7 +10505,7 @@
                     <a:p>
                       <a:pPr algn="ctr" latinLnBrk="1"/>
                       <a:r>
-                        <a:rPr lang="en-US" altLang="ko-KR" sz="1400" dirty="0" smtClean="0">
+                        <a:rPr lang="en-US" altLang="ko-KR" sz="1400" dirty="0">
                           <a:latin typeface="HY궁서" pitchFamily="18" charset="-127"/>
                           <a:ea typeface="HY궁서" pitchFamily="18" charset="-127"/>
                         </a:rPr>
@@ -10725,7 +10530,7 @@
                     <a:p>
                       <a:pPr algn="ctr" latinLnBrk="1"/>
                       <a:r>
-                        <a:rPr lang="en-US" altLang="ko-KR" sz="1400" dirty="0" smtClean="0">
+                        <a:rPr lang="en-US" altLang="ko-KR" sz="1400" dirty="0">
                           <a:latin typeface="HY궁서" pitchFamily="18" charset="-127"/>
                           <a:ea typeface="HY궁서" pitchFamily="18" charset="-127"/>
                         </a:rPr>
@@ -10750,7 +10555,7 @@
                     <a:p>
                       <a:pPr algn="ctr" latinLnBrk="1"/>
                       <a:r>
-                        <a:rPr lang="en-US" altLang="ko-KR" sz="1400" dirty="0" smtClean="0">
+                        <a:rPr lang="en-US" altLang="ko-KR" sz="1400" dirty="0">
                           <a:latin typeface="HY궁서" pitchFamily="18" charset="-127"/>
                           <a:ea typeface="HY궁서" pitchFamily="18" charset="-127"/>
                         </a:rPr>
@@ -10775,7 +10580,7 @@
                     <a:p>
                       <a:pPr algn="ctr" latinLnBrk="1"/>
                       <a:r>
-                        <a:rPr lang="en-US" altLang="ko-KR" sz="1400" dirty="0" smtClean="0">
+                        <a:rPr lang="en-US" altLang="ko-KR" sz="1400" dirty="0">
                           <a:solidFill>
                             <a:srgbClr val="C00000"/>
                           </a:solidFill>
@@ -10806,7 +10611,7 @@
                     <a:p>
                       <a:pPr algn="ctr" latinLnBrk="1"/>
                       <a:r>
-                        <a:rPr lang="en-US" altLang="ko-KR" sz="1400" dirty="0" smtClean="0">
+                        <a:rPr lang="en-US" altLang="ko-KR" sz="1400" dirty="0">
                           <a:latin typeface="HY궁서" pitchFamily="18" charset="-127"/>
                           <a:ea typeface="HY궁서" pitchFamily="18" charset="-127"/>
                         </a:rPr>
@@ -10831,7 +10636,7 @@
                     <a:p>
                       <a:pPr algn="ctr" latinLnBrk="1"/>
                       <a:r>
-                        <a:rPr lang="en-US" altLang="ko-KR" sz="1400" dirty="0" smtClean="0">
+                        <a:rPr lang="en-US" altLang="ko-KR" sz="1400" dirty="0">
                           <a:solidFill>
                             <a:srgbClr val="6666FF"/>
                           </a:solidFill>
@@ -10869,7 +10674,7 @@
                     <a:p>
                       <a:pPr algn="ctr" latinLnBrk="1"/>
                       <a:r>
-                        <a:rPr lang="en-US" altLang="ko-KR" sz="1400" dirty="0" smtClean="0">
+                        <a:rPr lang="en-US" altLang="ko-KR" sz="1400" dirty="0">
                           <a:solidFill>
                             <a:srgbClr val="C00000"/>
                           </a:solidFill>
@@ -10900,7 +10705,7 @@
                     <a:p>
                       <a:pPr algn="ctr" latinLnBrk="1"/>
                       <a:r>
-                        <a:rPr lang="en-US" altLang="ko-KR" sz="1400" dirty="0" smtClean="0">
+                        <a:rPr lang="en-US" altLang="ko-KR" sz="1400" dirty="0">
                           <a:latin typeface="HY궁서" pitchFamily="18" charset="-127"/>
                           <a:ea typeface="HY궁서" pitchFamily="18" charset="-127"/>
                         </a:rPr>
@@ -10925,7 +10730,7 @@
                     <a:p>
                       <a:pPr algn="ctr" latinLnBrk="1"/>
                       <a:r>
-                        <a:rPr lang="en-US" altLang="ko-KR" sz="1400" dirty="0" smtClean="0">
+                        <a:rPr lang="en-US" altLang="ko-KR" sz="1400" dirty="0">
                           <a:latin typeface="HY궁서" pitchFamily="18" charset="-127"/>
                           <a:ea typeface="HY궁서" pitchFamily="18" charset="-127"/>
                         </a:rPr>
@@ -10950,7 +10755,7 @@
                     <a:p>
                       <a:pPr algn="ctr" latinLnBrk="1"/>
                       <a:r>
-                        <a:rPr lang="en-US" altLang="ko-KR" sz="1400" dirty="0" smtClean="0">
+                        <a:rPr lang="en-US" altLang="ko-KR" sz="1400" dirty="0">
                           <a:solidFill>
                             <a:srgbClr val="C00000"/>
                           </a:solidFill>
@@ -10981,7 +10786,7 @@
                     <a:p>
                       <a:pPr algn="ctr" latinLnBrk="1"/>
                       <a:r>
-                        <a:rPr lang="en-US" altLang="ko-KR" sz="1400" dirty="0" smtClean="0">
+                        <a:rPr lang="en-US" altLang="ko-KR" sz="1400" dirty="0">
                           <a:solidFill>
                             <a:schemeClr val="tx1"/>
                           </a:solidFill>
@@ -11012,7 +10817,7 @@
                     <a:p>
                       <a:pPr algn="ctr" latinLnBrk="1"/>
                       <a:r>
-                        <a:rPr lang="en-US" altLang="ko-KR" sz="1400" dirty="0" smtClean="0">
+                        <a:rPr lang="en-US" altLang="ko-KR" sz="1400" dirty="0">
                           <a:solidFill>
                             <a:schemeClr val="tx1"/>
                           </a:solidFill>
@@ -11043,7 +10848,7 @@
                     <a:p>
                       <a:pPr algn="ctr" latinLnBrk="1"/>
                       <a:r>
-                        <a:rPr lang="en-US" altLang="ko-KR" sz="1400" dirty="0" smtClean="0">
+                        <a:rPr lang="en-US" altLang="ko-KR" sz="1400" dirty="0">
                           <a:solidFill>
                             <a:srgbClr val="FF0000"/>
                           </a:solidFill>
@@ -11081,7 +10886,7 @@
                     <a:p>
                       <a:pPr algn="ctr" latinLnBrk="1"/>
                       <a:r>
-                        <a:rPr lang="en-US" altLang="ko-KR" sz="1400" dirty="0" smtClean="0">
+                        <a:rPr lang="en-US" altLang="ko-KR" sz="1400" dirty="0">
                           <a:solidFill>
                             <a:srgbClr val="C00000"/>
                           </a:solidFill>
@@ -11112,7 +10917,7 @@
                     <a:p>
                       <a:pPr algn="ctr" latinLnBrk="1"/>
                       <a:r>
-                        <a:rPr lang="en-US" altLang="ko-KR" sz="1400" dirty="0" smtClean="0">
+                        <a:rPr lang="en-US" altLang="ko-KR" sz="1400" dirty="0">
                           <a:latin typeface="HY궁서" pitchFamily="18" charset="-127"/>
                           <a:ea typeface="HY궁서" pitchFamily="18" charset="-127"/>
                         </a:rPr>
@@ -11137,7 +10942,7 @@
                     <a:p>
                       <a:pPr algn="ctr" latinLnBrk="1"/>
                       <a:r>
-                        <a:rPr lang="en-US" altLang="ko-KR" sz="1400" dirty="0" smtClean="0">
+                        <a:rPr lang="en-US" altLang="ko-KR" sz="1400" dirty="0">
                           <a:latin typeface="HY궁서" pitchFamily="18" charset="-127"/>
                           <a:ea typeface="HY궁서" pitchFamily="18" charset="-127"/>
                         </a:rPr>
@@ -11162,7 +10967,7 @@
                     <a:p>
                       <a:pPr algn="ctr" latinLnBrk="1"/>
                       <a:r>
-                        <a:rPr lang="en-US" altLang="ko-KR" sz="1400" dirty="0" smtClean="0">
+                        <a:rPr lang="en-US" altLang="ko-KR" sz="1400" dirty="0">
                           <a:latin typeface="HY궁서" pitchFamily="18" charset="-127"/>
                           <a:ea typeface="HY궁서" pitchFamily="18" charset="-127"/>
                         </a:rPr>
@@ -11187,7 +10992,7 @@
                     <a:p>
                       <a:pPr algn="ctr" latinLnBrk="1"/>
                       <a:r>
-                        <a:rPr lang="en-US" altLang="ko-KR" sz="1400" dirty="0" smtClean="0">
+                        <a:rPr lang="en-US" altLang="ko-KR" sz="1400" dirty="0">
                           <a:latin typeface="HY궁서" pitchFamily="18" charset="-127"/>
                           <a:ea typeface="HY궁서" pitchFamily="18" charset="-127"/>
                         </a:rPr>
@@ -11212,7 +11017,7 @@
                     <a:p>
                       <a:pPr algn="ctr" latinLnBrk="1"/>
                       <a:r>
-                        <a:rPr lang="en-US" altLang="ko-KR" sz="1400" dirty="0" smtClean="0">
+                        <a:rPr lang="en-US" altLang="ko-KR" sz="1400" dirty="0">
                           <a:latin typeface="HY궁서" pitchFamily="18" charset="-127"/>
                           <a:ea typeface="HY궁서" pitchFamily="18" charset="-127"/>
                         </a:rPr>
@@ -11237,7 +11042,7 @@
                     <a:p>
                       <a:pPr algn="ctr" latinLnBrk="1"/>
                       <a:r>
-                        <a:rPr lang="en-US" altLang="ko-KR" sz="1400" dirty="0" smtClean="0">
+                        <a:rPr lang="en-US" altLang="ko-KR" sz="1400" dirty="0">
                           <a:solidFill>
                             <a:srgbClr val="6666FF"/>
                           </a:solidFill>
@@ -11275,7 +11080,7 @@
                     <a:p>
                       <a:pPr algn="ctr" latinLnBrk="1"/>
                       <a:r>
-                        <a:rPr lang="en-US" altLang="ko-KR" sz="1400" dirty="0" smtClean="0">
+                        <a:rPr lang="en-US" altLang="ko-KR" sz="1400" dirty="0">
                           <a:solidFill>
                             <a:srgbClr val="C00000"/>
                           </a:solidFill>
@@ -11306,7 +11111,7 @@
                     <a:p>
                       <a:pPr algn="ctr" latinLnBrk="1"/>
                       <a:r>
-                        <a:rPr lang="en-US" altLang="ko-KR" sz="1400" dirty="0" smtClean="0">
+                        <a:rPr lang="en-US" altLang="ko-KR" sz="1400" dirty="0">
                           <a:latin typeface="HY궁서" pitchFamily="18" charset="-127"/>
                           <a:ea typeface="HY궁서" pitchFamily="18" charset="-127"/>
                         </a:rPr>
@@ -11331,7 +11136,7 @@
                     <a:p>
                       <a:pPr algn="ctr" latinLnBrk="1"/>
                       <a:r>
-                        <a:rPr lang="en-US" altLang="ko-KR" sz="1400" dirty="0" smtClean="0">
+                        <a:rPr lang="en-US" altLang="ko-KR" sz="1400" dirty="0">
                           <a:latin typeface="HY궁서" pitchFamily="18" charset="-127"/>
                           <a:ea typeface="HY궁서" pitchFamily="18" charset="-127"/>
                         </a:rPr>
@@ -11356,7 +11161,7 @@
                     <a:p>
                       <a:pPr algn="ctr" latinLnBrk="1"/>
                       <a:r>
-                        <a:rPr lang="en-US" altLang="ko-KR" sz="1400" dirty="0" smtClean="0">
+                        <a:rPr lang="en-US" altLang="ko-KR" sz="1400" dirty="0">
                           <a:latin typeface="HY궁서" pitchFamily="18" charset="-127"/>
                           <a:ea typeface="HY궁서" pitchFamily="18" charset="-127"/>
                         </a:rPr>
@@ -11381,7 +11186,7 @@
                     <a:p>
                       <a:pPr algn="ctr" latinLnBrk="1"/>
                       <a:r>
-                        <a:rPr lang="en-US" altLang="ko-KR" sz="1400" dirty="0" smtClean="0">
+                        <a:rPr lang="en-US" altLang="ko-KR" sz="1400" dirty="0">
                           <a:latin typeface="HY궁서" pitchFamily="18" charset="-127"/>
                           <a:ea typeface="HY궁서" pitchFamily="18" charset="-127"/>
                         </a:rPr>
@@ -11406,7 +11211,7 @@
                     <a:p>
                       <a:pPr algn="ctr" latinLnBrk="1"/>
                       <a:r>
-                        <a:rPr lang="en-US" altLang="ko-KR" sz="1400" dirty="0" smtClean="0">
+                        <a:rPr lang="en-US" altLang="ko-KR" sz="1400" dirty="0">
                           <a:latin typeface="HY궁서" pitchFamily="18" charset="-127"/>
                           <a:ea typeface="HY궁서" pitchFamily="18" charset="-127"/>
                         </a:rPr>
@@ -11431,7 +11236,7 @@
                     <a:p>
                       <a:pPr algn="ctr" latinLnBrk="1"/>
                       <a:r>
-                        <a:rPr lang="en-US" altLang="ko-KR" sz="1400" dirty="0" smtClean="0">
+                        <a:rPr lang="en-US" altLang="ko-KR" sz="1400" dirty="0">
                           <a:solidFill>
                             <a:srgbClr val="6666FF"/>
                           </a:solidFill>
@@ -11469,7 +11274,7 @@
                     <a:p>
                       <a:pPr algn="ctr" latinLnBrk="1"/>
                       <a:r>
-                        <a:rPr lang="en-US" altLang="ko-KR" sz="1400" dirty="0" smtClean="0">
+                        <a:rPr lang="en-US" altLang="ko-KR" sz="1400" dirty="0">
                           <a:solidFill>
                             <a:srgbClr val="C00000"/>
                           </a:solidFill>
@@ -11500,7 +11305,7 @@
                     <a:p>
                       <a:pPr algn="ctr" latinLnBrk="1"/>
                       <a:r>
-                        <a:rPr lang="en-US" altLang="ko-KR" sz="1400" dirty="0" smtClean="0">
+                        <a:rPr lang="en-US" altLang="ko-KR" sz="1400" dirty="0">
                           <a:latin typeface="HY궁서" pitchFamily="18" charset="-127"/>
                           <a:ea typeface="HY궁서" pitchFamily="18" charset="-127"/>
                         </a:rPr>
@@ -11525,7 +11330,7 @@
                     <a:p>
                       <a:pPr algn="ctr" latinLnBrk="1"/>
                       <a:r>
-                        <a:rPr lang="en-US" altLang="ko-KR" sz="1400" dirty="0" smtClean="0">
+                        <a:rPr lang="en-US" altLang="ko-KR" sz="1400" dirty="0">
                           <a:latin typeface="HY궁서" pitchFamily="18" charset="-127"/>
                           <a:ea typeface="HY궁서" pitchFamily="18" charset="-127"/>
                         </a:rPr>
@@ -11550,7 +11355,7 @@
                     <a:p>
                       <a:pPr algn="ctr" latinLnBrk="1"/>
                       <a:r>
-                        <a:rPr lang="en-US" altLang="ko-KR" sz="1400" dirty="0" smtClean="0">
+                        <a:rPr lang="en-US" altLang="ko-KR" sz="1400" dirty="0">
                           <a:latin typeface="HY궁서" pitchFamily="18" charset="-127"/>
                           <a:ea typeface="HY궁서" pitchFamily="18" charset="-127"/>
                         </a:rPr>
@@ -11575,7 +11380,7 @@
                     <a:p>
                       <a:pPr algn="ctr" latinLnBrk="1"/>
                       <a:r>
-                        <a:rPr lang="en-US" altLang="ko-KR" sz="1400" dirty="0" smtClean="0">
+                        <a:rPr lang="en-US" altLang="ko-KR" sz="1400" dirty="0">
                           <a:latin typeface="HY궁서" pitchFamily="18" charset="-127"/>
                           <a:ea typeface="HY궁서" pitchFamily="18" charset="-127"/>
                         </a:rPr>
@@ -11600,7 +11405,7 @@
                     <a:p>
                       <a:pPr algn="ctr" latinLnBrk="1"/>
                       <a:r>
-                        <a:rPr lang="en-US" altLang="ko-KR" sz="1400" dirty="0" smtClean="0">
+                        <a:rPr lang="en-US" altLang="ko-KR" sz="1400" dirty="0">
                           <a:latin typeface="HY궁서" pitchFamily="18" charset="-127"/>
                           <a:ea typeface="HY궁서" pitchFamily="18" charset="-127"/>
                         </a:rPr>
@@ -11625,7 +11430,7 @@
                     <a:p>
                       <a:pPr algn="ctr" latinLnBrk="1"/>
                       <a:r>
-                        <a:rPr lang="en-US" altLang="ko-KR" sz="1400" dirty="0" smtClean="0">
+                        <a:rPr lang="en-US" altLang="ko-KR" sz="1400" dirty="0">
                           <a:solidFill>
                             <a:srgbClr val="6666FF"/>
                           </a:solidFill>
@@ -11701,11 +11506,11 @@
           <a:lstStyle/>
           <a:p>
             <a:r>
-              <a:rPr lang="ko-KR" altLang="en-US" sz="1400" b="1" dirty="0" smtClean="0"/>
+              <a:rPr lang="ko-KR" altLang="en-US" sz="1400" b="1" dirty="0"/>
               <a:t>스피커 </a:t>
             </a:r>
             <a:r>
-              <a:rPr lang="ko-KR" altLang="en-US" sz="1400" b="1" dirty="0" err="1" smtClean="0"/>
+              <a:rPr lang="ko-KR" altLang="en-US" sz="1400" b="1" dirty="0" err="1"/>
               <a:t>서버측</a:t>
             </a:r>
             <a:endParaRPr lang="ko-KR" altLang="en-US" sz="1400" b="1" dirty="0"/>
@@ -11898,10 +11703,9 @@
           <a:lstStyle/>
           <a:p>
             <a:r>
-              <a:rPr lang="ko-KR" altLang="en-US" sz="1200" b="1" dirty="0" smtClean="0"/>
+              <a:rPr lang="ko-KR" altLang="en-US" sz="1200" b="1" dirty="0"/>
               <a:t>스피커 클라이언트</a:t>
             </a:r>
-            <a:endParaRPr lang="ko-KR" altLang="en-US" sz="1200" b="1" dirty="0"/>
           </a:p>
         </p:txBody>
       </p:sp>
@@ -11950,18 +11754,17 @@
           <a:lstStyle/>
           <a:p>
             <a:r>
-              <a:rPr lang="ko-KR" altLang="en-US" sz="1400" b="1" dirty="0" smtClean="0"/>
+              <a:rPr lang="ko-KR" altLang="en-US" sz="1400" b="1" dirty="0"/>
               <a:t>서버프로그램 </a:t>
             </a:r>
             <a:r>
-              <a:rPr lang="ko-KR" altLang="en-US" sz="1400" b="1" dirty="0" err="1" smtClean="0"/>
+              <a:rPr lang="ko-KR" altLang="en-US" sz="1400" b="1" dirty="0" err="1"/>
               <a:t>트레이로</a:t>
             </a:r>
             <a:r>
-              <a:rPr lang="ko-KR" altLang="en-US" sz="1400" b="1" dirty="0" smtClean="0"/>
+              <a:rPr lang="ko-KR" altLang="en-US" sz="1400" b="1" dirty="0"/>
               <a:t> 보내기</a:t>
             </a:r>
-            <a:endParaRPr lang="ko-KR" altLang="en-US" sz="1400" b="1" dirty="0"/>
           </a:p>
         </p:txBody>
       </p:sp>
@@ -11975,13 +11778,6 @@
   <p:clrMapOvr>
     <a:masterClrMapping/>
   </p:clrMapOvr>
-  <p:timing>
-    <p:tnLst>
-      <p:par>
-        <p:cTn id="1" dur="indefinite" restart="never" nodeType="tmRoot"/>
-      </p:par>
-    </p:tnLst>
-  </p:timing>
 </p:sld>
 </file>
 
@@ -12246,18 +12042,13 @@
           <a:lstStyle/>
           <a:p>
             <a:r>
-              <a:rPr lang="en-US" altLang="ko-KR" sz="2000" b="1" dirty="0" smtClean="0">
+              <a:rPr lang="en-US" altLang="ko-KR" sz="2000" b="1" dirty="0">
                 <a:solidFill>
                   <a:schemeClr val="bg1"/>
                 </a:solidFill>
               </a:rPr>
               <a:t>Part.5</a:t>
             </a:r>
-            <a:endParaRPr lang="en-US" altLang="ko-KR" sz="2000" b="1" dirty="0">
-              <a:solidFill>
-                <a:schemeClr val="bg1"/>
-              </a:solidFill>
-            </a:endParaRPr>
           </a:p>
           <a:p>
             <a:r>
@@ -12414,18 +12205,13 @@
           <a:lstStyle/>
           <a:p>
             <a:r>
-              <a:rPr lang="ko-KR" altLang="en-US" b="1" dirty="0" smtClean="0">
+              <a:rPr lang="ko-KR" altLang="en-US" b="1" dirty="0">
                 <a:solidFill>
                   <a:srgbClr val="134873"/>
                 </a:solidFill>
               </a:rPr>
               <a:t>개발계획</a:t>
             </a:r>
-            <a:endParaRPr lang="ko-KR" altLang="en-US" b="1" dirty="0">
-              <a:solidFill>
-                <a:srgbClr val="134873"/>
-              </a:solidFill>
-            </a:endParaRPr>
           </a:p>
         </p:txBody>
       </p:sp>
@@ -12551,7 +12337,7 @@
           <a:lstStyle/>
           <a:p>
             <a:r>
-              <a:rPr lang="en-US" altLang="ko-KR" b="1" dirty="0" smtClean="0">
+              <a:rPr lang="en-US" altLang="ko-KR" b="1" dirty="0">
                 <a:solidFill>
                   <a:schemeClr val="tx1">
                     <a:lumMod val="65000"/>
@@ -12562,7 +12348,7 @@
               <a:t>11</a:t>
             </a:r>
             <a:r>
-              <a:rPr lang="ko-KR" altLang="en-US" b="1" dirty="0" smtClean="0">
+              <a:rPr lang="ko-KR" altLang="en-US" b="1" dirty="0">
                 <a:solidFill>
                   <a:schemeClr val="tx1">
                     <a:lumMod val="65000"/>
@@ -12572,14 +12358,6 @@
               </a:rPr>
               <a:t>월 계획</a:t>
             </a:r>
-            <a:endParaRPr lang="ko-KR" altLang="en-US" b="1" dirty="0">
-              <a:solidFill>
-                <a:schemeClr val="tx1">
-                  <a:lumMod val="65000"/>
-                  <a:lumOff val="35000"/>
-                </a:schemeClr>
-              </a:solidFill>
-            </a:endParaRPr>
           </a:p>
         </p:txBody>
       </p:sp>
@@ -12710,7 +12488,7 @@
                     <a:p>
                       <a:pPr algn="ctr" latinLnBrk="1"/>
                       <a:r>
-                        <a:rPr lang="ko-KR" altLang="en-US" sz="1400" b="0" dirty="0" smtClean="0">
+                        <a:rPr lang="ko-KR" altLang="en-US" sz="1400" b="0" dirty="0">
                           <a:solidFill>
                             <a:srgbClr val="C00000"/>
                           </a:solidFill>
@@ -12719,13 +12497,6 @@
                         </a:rPr>
                         <a:t>일</a:t>
                       </a:r>
-                      <a:endParaRPr lang="ko-KR" altLang="en-US" sz="1400" b="0" dirty="0">
-                        <a:solidFill>
-                          <a:srgbClr val="C00000"/>
-                        </a:solidFill>
-                        <a:latin typeface="HY궁서" pitchFamily="18" charset="-127"/>
-                        <a:ea typeface="HY궁서" pitchFamily="18" charset="-127"/>
-                      </a:endParaRPr>
                     </a:p>
                   </a:txBody>
                   <a:tcPr marL="85105" marR="85105" marT="42553" marB="42553">
@@ -12741,7 +12512,7 @@
                     <a:p>
                       <a:pPr algn="ctr" latinLnBrk="1"/>
                       <a:r>
-                        <a:rPr lang="ko-KR" altLang="en-US" sz="1400" b="0" dirty="0" smtClean="0">
+                        <a:rPr lang="ko-KR" altLang="en-US" sz="1400" b="0" dirty="0">
                           <a:solidFill>
                             <a:schemeClr val="tx1"/>
                           </a:solidFill>
@@ -12750,13 +12521,6 @@
                         </a:rPr>
                         <a:t>월</a:t>
                       </a:r>
-                      <a:endParaRPr lang="ko-KR" altLang="en-US" sz="1400" b="0" dirty="0">
-                        <a:solidFill>
-                          <a:schemeClr val="tx1"/>
-                        </a:solidFill>
-                        <a:latin typeface="HY궁서" pitchFamily="18" charset="-127"/>
-                        <a:ea typeface="HY궁서" pitchFamily="18" charset="-127"/>
-                      </a:endParaRPr>
                     </a:p>
                   </a:txBody>
                   <a:tcPr marL="85105" marR="85105" marT="42553" marB="42553">
@@ -12772,7 +12536,7 @@
                     <a:p>
                       <a:pPr algn="ctr" latinLnBrk="1"/>
                       <a:r>
-                        <a:rPr lang="ko-KR" altLang="en-US" sz="1400" b="0" dirty="0" smtClean="0">
+                        <a:rPr lang="ko-KR" altLang="en-US" sz="1400" b="0" dirty="0">
                           <a:solidFill>
                             <a:schemeClr val="tx1"/>
                           </a:solidFill>
@@ -12781,13 +12545,6 @@
                         </a:rPr>
                         <a:t>화</a:t>
                       </a:r>
-                      <a:endParaRPr lang="ko-KR" altLang="en-US" sz="1400" b="0" dirty="0">
-                        <a:solidFill>
-                          <a:schemeClr val="tx1"/>
-                        </a:solidFill>
-                        <a:latin typeface="HY궁서" pitchFamily="18" charset="-127"/>
-                        <a:ea typeface="HY궁서" pitchFamily="18" charset="-127"/>
-                      </a:endParaRPr>
                     </a:p>
                   </a:txBody>
                   <a:tcPr marL="85105" marR="85105" marT="42553" marB="42553">
@@ -12803,7 +12560,7 @@
                     <a:p>
                       <a:pPr algn="ctr" latinLnBrk="1"/>
                       <a:r>
-                        <a:rPr lang="ko-KR" altLang="en-US" sz="1400" b="0" dirty="0" smtClean="0">
+                        <a:rPr lang="ko-KR" altLang="en-US" sz="1400" b="0" dirty="0">
                           <a:solidFill>
                             <a:schemeClr val="tx1"/>
                           </a:solidFill>
@@ -12812,13 +12569,6 @@
                         </a:rPr>
                         <a:t>수</a:t>
                       </a:r>
-                      <a:endParaRPr lang="ko-KR" altLang="en-US" sz="1400" b="0" dirty="0">
-                        <a:solidFill>
-                          <a:schemeClr val="tx1"/>
-                        </a:solidFill>
-                        <a:latin typeface="HY궁서" pitchFamily="18" charset="-127"/>
-                        <a:ea typeface="HY궁서" pitchFamily="18" charset="-127"/>
-                      </a:endParaRPr>
                     </a:p>
                   </a:txBody>
                   <a:tcPr marL="85105" marR="85105" marT="42553" marB="42553">
@@ -12834,7 +12584,7 @@
                     <a:p>
                       <a:pPr algn="ctr" latinLnBrk="1"/>
                       <a:r>
-                        <a:rPr lang="ko-KR" altLang="en-US" sz="1400" b="0" dirty="0" smtClean="0">
+                        <a:rPr lang="ko-KR" altLang="en-US" sz="1400" b="0" dirty="0">
                           <a:solidFill>
                             <a:schemeClr val="tx1"/>
                           </a:solidFill>
@@ -12843,13 +12593,6 @@
                         </a:rPr>
                         <a:t>목</a:t>
                       </a:r>
-                      <a:endParaRPr lang="ko-KR" altLang="en-US" sz="1400" b="0" dirty="0">
-                        <a:solidFill>
-                          <a:schemeClr val="tx1"/>
-                        </a:solidFill>
-                        <a:latin typeface="HY궁서" pitchFamily="18" charset="-127"/>
-                        <a:ea typeface="HY궁서" pitchFamily="18" charset="-127"/>
-                      </a:endParaRPr>
                     </a:p>
                   </a:txBody>
                   <a:tcPr marL="85105" marR="85105" marT="42553" marB="42553">
@@ -12865,7 +12608,7 @@
                     <a:p>
                       <a:pPr algn="ctr" latinLnBrk="1"/>
                       <a:r>
-                        <a:rPr lang="ko-KR" altLang="en-US" sz="1400" b="0" dirty="0" smtClean="0">
+                        <a:rPr lang="ko-KR" altLang="en-US" sz="1400" b="0" dirty="0">
                           <a:solidFill>
                             <a:schemeClr val="tx1"/>
                           </a:solidFill>
@@ -12874,13 +12617,6 @@
                         </a:rPr>
                         <a:t>금</a:t>
                       </a:r>
-                      <a:endParaRPr lang="ko-KR" altLang="en-US" sz="1400" b="0" dirty="0">
-                        <a:solidFill>
-                          <a:schemeClr val="tx1"/>
-                        </a:solidFill>
-                        <a:latin typeface="HY궁서" pitchFamily="18" charset="-127"/>
-                        <a:ea typeface="HY궁서" pitchFamily="18" charset="-127"/>
-                      </a:endParaRPr>
                     </a:p>
                   </a:txBody>
                   <a:tcPr marL="85105" marR="85105" marT="42553" marB="42553">
@@ -12896,7 +12632,7 @@
                     <a:p>
                       <a:pPr algn="ctr" latinLnBrk="1"/>
                       <a:r>
-                        <a:rPr lang="ko-KR" altLang="en-US" sz="1400" b="0" dirty="0" smtClean="0">
+                        <a:rPr lang="ko-KR" altLang="en-US" sz="1400" b="0" dirty="0">
                           <a:solidFill>
                             <a:schemeClr val="tx1"/>
                           </a:solidFill>
@@ -12905,13 +12641,6 @@
                         </a:rPr>
                         <a:t>토</a:t>
                       </a:r>
-                      <a:endParaRPr lang="ko-KR" altLang="en-US" sz="1400" b="0" dirty="0">
-                        <a:solidFill>
-                          <a:schemeClr val="tx1"/>
-                        </a:solidFill>
-                        <a:latin typeface="HY궁서" pitchFamily="18" charset="-127"/>
-                        <a:ea typeface="HY궁서" pitchFamily="18" charset="-127"/>
-                      </a:endParaRPr>
                     </a:p>
                   </a:txBody>
                   <a:tcPr marL="85105" marR="85105" marT="42553" marB="42553">
@@ -12934,7 +12663,7 @@
                     <a:p>
                       <a:pPr algn="ctr" latinLnBrk="1"/>
                       <a:r>
-                        <a:rPr lang="en-US" altLang="ko-KR" sz="1400" dirty="0" smtClean="0">
+                        <a:rPr lang="en-US" altLang="ko-KR" sz="1400" dirty="0">
                           <a:solidFill>
                             <a:srgbClr val="C00000"/>
                           </a:solidFill>
@@ -12965,7 +12694,7 @@
                     <a:p>
                       <a:pPr algn="ctr" latinLnBrk="1"/>
                       <a:r>
-                        <a:rPr lang="en-US" altLang="ko-KR" sz="1400" dirty="0" smtClean="0">
+                        <a:rPr lang="en-US" altLang="ko-KR" sz="1400" dirty="0">
                           <a:latin typeface="HY궁서" pitchFamily="18" charset="-127"/>
                           <a:ea typeface="HY궁서" pitchFamily="18" charset="-127"/>
                         </a:rPr>
@@ -12990,7 +12719,7 @@
                     <a:p>
                       <a:pPr algn="ctr" latinLnBrk="1"/>
                       <a:r>
-                        <a:rPr lang="en-US" altLang="ko-KR" sz="1400" dirty="0" smtClean="0">
+                        <a:rPr lang="en-US" altLang="ko-KR" sz="1400" dirty="0">
                           <a:latin typeface="HY궁서" pitchFamily="18" charset="-127"/>
                           <a:ea typeface="HY궁서" pitchFamily="18" charset="-127"/>
                         </a:rPr>
@@ -13015,7 +12744,7 @@
                     <a:p>
                       <a:pPr algn="ctr" latinLnBrk="1"/>
                       <a:r>
-                        <a:rPr lang="en-US" altLang="ko-KR" sz="1400" dirty="0" smtClean="0">
+                        <a:rPr lang="en-US" altLang="ko-KR" sz="1400" dirty="0">
                           <a:latin typeface="HY궁서" pitchFamily="18" charset="-127"/>
                           <a:ea typeface="HY궁서" pitchFamily="18" charset="-127"/>
                         </a:rPr>
@@ -13040,7 +12769,7 @@
                     <a:p>
                       <a:pPr algn="ctr" latinLnBrk="1"/>
                       <a:r>
-                        <a:rPr lang="en-US" altLang="ko-KR" sz="1400" dirty="0" smtClean="0">
+                        <a:rPr lang="en-US" altLang="ko-KR" sz="1400" dirty="0">
                           <a:solidFill>
                             <a:schemeClr val="tx1"/>
                           </a:solidFill>
@@ -13071,7 +12800,7 @@
                     <a:p>
                       <a:pPr algn="ctr" latinLnBrk="1"/>
                       <a:r>
-                        <a:rPr lang="en-US" altLang="ko-KR" sz="1400" dirty="0" smtClean="0">
+                        <a:rPr lang="en-US" altLang="ko-KR" sz="1400" dirty="0">
                           <a:latin typeface="HY궁서" pitchFamily="18" charset="-127"/>
                           <a:ea typeface="HY궁서" pitchFamily="18" charset="-127"/>
                         </a:rPr>
@@ -13096,7 +12825,7 @@
                     <a:p>
                       <a:pPr algn="ctr" latinLnBrk="1"/>
                       <a:r>
-                        <a:rPr lang="en-US" altLang="ko-KR" sz="1400" dirty="0" smtClean="0">
+                        <a:rPr lang="en-US" altLang="ko-KR" sz="1400" dirty="0">
                           <a:solidFill>
                             <a:srgbClr val="6666FF"/>
                           </a:solidFill>
@@ -13134,7 +12863,7 @@
                     <a:p>
                       <a:pPr algn="ctr" latinLnBrk="1"/>
                       <a:r>
-                        <a:rPr lang="en-US" altLang="ko-KR" sz="1400" dirty="0" smtClean="0">
+                        <a:rPr lang="en-US" altLang="ko-KR" sz="1400" dirty="0">
                           <a:solidFill>
                             <a:srgbClr val="C00000"/>
                           </a:solidFill>
@@ -13165,7 +12894,7 @@
                     <a:p>
                       <a:pPr algn="ctr" latinLnBrk="1"/>
                       <a:r>
-                        <a:rPr lang="en-US" altLang="ko-KR" sz="1400" dirty="0" smtClean="0">
+                        <a:rPr lang="en-US" altLang="ko-KR" sz="1400" dirty="0">
                           <a:latin typeface="HY궁서" pitchFamily="18" charset="-127"/>
                           <a:ea typeface="HY궁서" pitchFamily="18" charset="-127"/>
                         </a:rPr>
@@ -13190,7 +12919,7 @@
                     <a:p>
                       <a:pPr algn="ctr" latinLnBrk="1"/>
                       <a:r>
-                        <a:rPr lang="en-US" altLang="ko-KR" sz="1400" dirty="0" smtClean="0">
+                        <a:rPr lang="en-US" altLang="ko-KR" sz="1400" dirty="0">
                           <a:latin typeface="HY궁서" pitchFamily="18" charset="-127"/>
                           <a:ea typeface="HY궁서" pitchFamily="18" charset="-127"/>
                         </a:rPr>
@@ -13215,7 +12944,7 @@
                     <a:p>
                       <a:pPr algn="ctr" latinLnBrk="1"/>
                       <a:r>
-                        <a:rPr lang="en-US" altLang="ko-KR" sz="1400" dirty="0" smtClean="0">
+                        <a:rPr lang="en-US" altLang="ko-KR" sz="1400" dirty="0">
                           <a:solidFill>
                             <a:schemeClr val="tx1"/>
                           </a:solidFill>
@@ -13246,7 +12975,7 @@
                     <a:p>
                       <a:pPr algn="ctr" latinLnBrk="1"/>
                       <a:r>
-                        <a:rPr lang="en-US" altLang="ko-KR" sz="1400" dirty="0" smtClean="0">
+                        <a:rPr lang="en-US" altLang="ko-KR" sz="1400" dirty="0">
                           <a:solidFill>
                             <a:schemeClr val="tx1"/>
                           </a:solidFill>
@@ -13277,7 +13006,7 @@
                     <a:p>
                       <a:pPr algn="ctr" latinLnBrk="1"/>
                       <a:r>
-                        <a:rPr lang="en-US" altLang="ko-KR" sz="1400" dirty="0" smtClean="0">
+                        <a:rPr lang="en-US" altLang="ko-KR" sz="1400" dirty="0">
                           <a:solidFill>
                             <a:schemeClr val="tx1"/>
                           </a:solidFill>
@@ -13308,7 +13037,7 @@
                     <a:p>
                       <a:pPr algn="ctr" latinLnBrk="1"/>
                       <a:r>
-                        <a:rPr lang="en-US" altLang="ko-KR" sz="1400" dirty="0" smtClean="0">
+                        <a:rPr lang="en-US" altLang="ko-KR" sz="1400" dirty="0">
                           <a:solidFill>
                             <a:srgbClr val="FF0000"/>
                           </a:solidFill>
@@ -13346,7 +13075,7 @@
                     <a:p>
                       <a:pPr algn="ctr" latinLnBrk="1"/>
                       <a:r>
-                        <a:rPr lang="en-US" altLang="ko-KR" sz="1400" dirty="0" smtClean="0">
+                        <a:rPr lang="en-US" altLang="ko-KR" sz="1400" dirty="0">
                           <a:solidFill>
                             <a:srgbClr val="C00000"/>
                           </a:solidFill>
@@ -13377,7 +13106,7 @@
                     <a:p>
                       <a:pPr algn="ctr" latinLnBrk="1"/>
                       <a:r>
-                        <a:rPr lang="en-US" altLang="ko-KR" sz="1400" dirty="0" smtClean="0">
+                        <a:rPr lang="en-US" altLang="ko-KR" sz="1400" dirty="0">
                           <a:latin typeface="HY궁서" pitchFamily="18" charset="-127"/>
                           <a:ea typeface="HY궁서" pitchFamily="18" charset="-127"/>
                         </a:rPr>
@@ -13402,7 +13131,7 @@
                     <a:p>
                       <a:pPr algn="ctr" latinLnBrk="1"/>
                       <a:r>
-                        <a:rPr lang="en-US" altLang="ko-KR" sz="1400" dirty="0" smtClean="0">
+                        <a:rPr lang="en-US" altLang="ko-KR" sz="1400" dirty="0">
                           <a:latin typeface="HY궁서" pitchFamily="18" charset="-127"/>
                           <a:ea typeface="HY궁서" pitchFamily="18" charset="-127"/>
                         </a:rPr>
@@ -13427,7 +13156,7 @@
                     <a:p>
                       <a:pPr algn="ctr" latinLnBrk="1"/>
                       <a:r>
-                        <a:rPr lang="en-US" altLang="ko-KR" sz="1400" dirty="0" smtClean="0">
+                        <a:rPr lang="en-US" altLang="ko-KR" sz="1400" dirty="0">
                           <a:latin typeface="HY궁서" pitchFamily="18" charset="-127"/>
                           <a:ea typeface="HY궁서" pitchFamily="18" charset="-127"/>
                         </a:rPr>
@@ -13452,7 +13181,7 @@
                     <a:p>
                       <a:pPr algn="ctr" latinLnBrk="1"/>
                       <a:r>
-                        <a:rPr lang="en-US" altLang="ko-KR" sz="1400" dirty="0" smtClean="0">
+                        <a:rPr lang="en-US" altLang="ko-KR" sz="1400" dirty="0">
                           <a:latin typeface="HY궁서" pitchFamily="18" charset="-127"/>
                           <a:ea typeface="HY궁서" pitchFamily="18" charset="-127"/>
                         </a:rPr>
@@ -13477,7 +13206,7 @@
                     <a:p>
                       <a:pPr algn="ctr" latinLnBrk="1"/>
                       <a:r>
-                        <a:rPr lang="en-US" altLang="ko-KR" sz="1400" dirty="0" smtClean="0">
+                        <a:rPr lang="en-US" altLang="ko-KR" sz="1400" dirty="0">
                           <a:latin typeface="HY궁서" pitchFamily="18" charset="-127"/>
                           <a:ea typeface="HY궁서" pitchFamily="18" charset="-127"/>
                         </a:rPr>
@@ -13502,7 +13231,7 @@
                     <a:p>
                       <a:pPr algn="ctr" latinLnBrk="1"/>
                       <a:r>
-                        <a:rPr lang="en-US" altLang="ko-KR" sz="1400" dirty="0" smtClean="0">
+                        <a:rPr lang="en-US" altLang="ko-KR" sz="1400" dirty="0">
                           <a:solidFill>
                             <a:srgbClr val="6666FF"/>
                           </a:solidFill>
@@ -13540,7 +13269,7 @@
                     <a:p>
                       <a:pPr algn="ctr" latinLnBrk="1"/>
                       <a:r>
-                        <a:rPr lang="en-US" altLang="ko-KR" sz="1400" dirty="0" smtClean="0">
+                        <a:rPr lang="en-US" altLang="ko-KR" sz="1400" dirty="0">
                           <a:solidFill>
                             <a:srgbClr val="C00000"/>
                           </a:solidFill>
@@ -13571,7 +13300,7 @@
                     <a:p>
                       <a:pPr algn="ctr" latinLnBrk="1"/>
                       <a:r>
-                        <a:rPr lang="en-US" altLang="ko-KR" sz="1400" dirty="0" smtClean="0">
+                        <a:rPr lang="en-US" altLang="ko-KR" sz="1400" dirty="0">
                           <a:latin typeface="HY궁서" pitchFamily="18" charset="-127"/>
                           <a:ea typeface="HY궁서" pitchFamily="18" charset="-127"/>
                         </a:rPr>
@@ -13596,7 +13325,7 @@
                     <a:p>
                       <a:pPr algn="ctr" latinLnBrk="1"/>
                       <a:r>
-                        <a:rPr lang="en-US" altLang="ko-KR" sz="1400" dirty="0" smtClean="0">
+                        <a:rPr lang="en-US" altLang="ko-KR" sz="1400" dirty="0">
                           <a:latin typeface="HY궁서" pitchFamily="18" charset="-127"/>
                           <a:ea typeface="HY궁서" pitchFamily="18" charset="-127"/>
                         </a:rPr>
@@ -13621,7 +13350,7 @@
                     <a:p>
                       <a:pPr algn="ctr" latinLnBrk="1"/>
                       <a:r>
-                        <a:rPr lang="en-US" altLang="ko-KR" sz="1400" dirty="0" smtClean="0">
+                        <a:rPr lang="en-US" altLang="ko-KR" sz="1400" dirty="0">
                           <a:latin typeface="HY궁서" pitchFamily="18" charset="-127"/>
                           <a:ea typeface="HY궁서" pitchFamily="18" charset="-127"/>
                         </a:rPr>
@@ -13646,7 +13375,7 @@
                     <a:p>
                       <a:pPr algn="ctr" latinLnBrk="1"/>
                       <a:r>
-                        <a:rPr lang="en-US" altLang="ko-KR" sz="1400" dirty="0" smtClean="0">
+                        <a:rPr lang="en-US" altLang="ko-KR" sz="1400" dirty="0">
                           <a:latin typeface="HY궁서" pitchFamily="18" charset="-127"/>
                           <a:ea typeface="HY궁서" pitchFamily="18" charset="-127"/>
                         </a:rPr>
@@ -13671,7 +13400,7 @@
                     <a:p>
                       <a:pPr algn="ctr" latinLnBrk="1"/>
                       <a:r>
-                        <a:rPr lang="en-US" altLang="ko-KR" sz="1400" dirty="0" smtClean="0">
+                        <a:rPr lang="en-US" altLang="ko-KR" sz="1400" dirty="0">
                           <a:latin typeface="HY궁서" pitchFamily="18" charset="-127"/>
                           <a:ea typeface="HY궁서" pitchFamily="18" charset="-127"/>
                         </a:rPr>
@@ -13696,7 +13425,7 @@
                     <a:p>
                       <a:pPr algn="ctr" latinLnBrk="1"/>
                       <a:r>
-                        <a:rPr lang="en-US" altLang="ko-KR" sz="1400" dirty="0" smtClean="0">
+                        <a:rPr lang="en-US" altLang="ko-KR" sz="1400" dirty="0">
                           <a:solidFill>
                             <a:srgbClr val="6666FF"/>
                           </a:solidFill>
@@ -13734,7 +13463,7 @@
                     <a:p>
                       <a:pPr algn="ctr" latinLnBrk="1"/>
                       <a:r>
-                        <a:rPr lang="en-US" altLang="ko-KR" sz="1400" dirty="0" smtClean="0">
+                        <a:rPr lang="en-US" altLang="ko-KR" sz="1400" dirty="0">
                           <a:solidFill>
                             <a:srgbClr val="C00000"/>
                           </a:solidFill>
@@ -13765,7 +13494,7 @@
                     <a:p>
                       <a:pPr algn="ctr" latinLnBrk="1"/>
                       <a:r>
-                        <a:rPr lang="en-US" altLang="ko-KR" sz="1400" dirty="0" smtClean="0">
+                        <a:rPr lang="en-US" altLang="ko-KR" sz="1400" dirty="0">
                           <a:latin typeface="HY궁서" pitchFamily="18" charset="-127"/>
                           <a:ea typeface="HY궁서" pitchFamily="18" charset="-127"/>
                         </a:rPr>
@@ -13790,7 +13519,7 @@
                     <a:p>
                       <a:pPr algn="ctr" latinLnBrk="1"/>
                       <a:r>
-                        <a:rPr lang="en-US" altLang="ko-KR" sz="1400" dirty="0" smtClean="0">
+                        <a:rPr lang="en-US" altLang="ko-KR" sz="1400" dirty="0">
                           <a:latin typeface="HY궁서" pitchFamily="18" charset="-127"/>
                           <a:ea typeface="HY궁서" pitchFamily="18" charset="-127"/>
                         </a:rPr>
@@ -13815,7 +13544,7 @@
                     <a:p>
                       <a:pPr algn="ctr" latinLnBrk="1"/>
                       <a:r>
-                        <a:rPr lang="en-US" altLang="ko-KR" sz="1400" dirty="0" smtClean="0">
+                        <a:rPr lang="en-US" altLang="ko-KR" sz="1400" dirty="0">
                           <a:latin typeface="HY궁서" pitchFamily="18" charset="-127"/>
                           <a:ea typeface="HY궁서" pitchFamily="18" charset="-127"/>
                         </a:rPr>
@@ -13840,7 +13569,7 @@
                     <a:p>
                       <a:pPr algn="ctr" latinLnBrk="1"/>
                       <a:r>
-                        <a:rPr lang="en-US" altLang="ko-KR" sz="1400" dirty="0" smtClean="0">
+                        <a:rPr lang="en-US" altLang="ko-KR" sz="1400" dirty="0">
                           <a:latin typeface="HY궁서" pitchFamily="18" charset="-127"/>
                           <a:ea typeface="HY궁서" pitchFamily="18" charset="-127"/>
                         </a:rPr>
@@ -13865,7 +13594,7 @@
                     <a:p>
                       <a:pPr algn="ctr" latinLnBrk="1"/>
                       <a:r>
-                        <a:rPr lang="en-US" altLang="ko-KR" sz="1400" dirty="0" smtClean="0">
+                        <a:rPr lang="en-US" altLang="ko-KR" sz="1400" dirty="0">
                           <a:latin typeface="HY궁서" pitchFamily="18" charset="-127"/>
                           <a:ea typeface="HY궁서" pitchFamily="18" charset="-127"/>
                         </a:rPr>
@@ -13890,7 +13619,7 @@
                     <a:p>
                       <a:pPr algn="ctr" latinLnBrk="1"/>
                       <a:r>
-                        <a:rPr lang="en-US" altLang="ko-KR" sz="1400" dirty="0" smtClean="0">
+                        <a:rPr lang="en-US" altLang="ko-KR" sz="1400" dirty="0">
                           <a:solidFill>
                             <a:srgbClr val="6666FF"/>
                           </a:solidFill>
@@ -13966,18 +13695,9 @@
           <a:lstStyle/>
           <a:p>
             <a:r>
-              <a:rPr lang="ko-KR" altLang="en-US" sz="1400" b="1" dirty="0" smtClean="0"/>
-              <a:t>스피커와 </a:t>
-            </a:r>
-            <a:r>
-              <a:rPr lang="ko-KR" altLang="en-US" sz="1400" b="1" dirty="0" smtClean="0"/>
-              <a:t>마우스를 </a:t>
-            </a:r>
-            <a:r>
-              <a:rPr lang="ko-KR" altLang="en-US" sz="1400" b="1" dirty="0" smtClean="0"/>
-              <a:t>동시에 사용</a:t>
-            </a:r>
-            <a:endParaRPr lang="ko-KR" altLang="en-US" sz="1400" b="1" dirty="0"/>
+              <a:rPr lang="ko-KR" altLang="en-US" sz="1400" b="1" dirty="0"/>
+              <a:t>스피커와 마우스를 동시에 사용</a:t>
+            </a:r>
           </a:p>
         </p:txBody>
       </p:sp>
@@ -14081,13 +13801,6 @@
   <p:clrMapOvr>
     <a:masterClrMapping/>
   </p:clrMapOvr>
-  <p:timing>
-    <p:tnLst>
-      <p:par>
-        <p:cTn id="1" dur="indefinite" restart="never" nodeType="tmRoot"/>
-      </p:par>
-    </p:tnLst>
-  </p:timing>
 </p:sld>
 </file>
 
@@ -14211,9 +13924,9 @@
         <p:grpSpPr>
           <a:xfrm>
             <a:off x="1907704" y="2132856"/>
-            <a:ext cx="5328592" cy="4329772"/>
+            <a:ext cx="5328592" cy="1449452"/>
             <a:chOff x="1907704" y="2132856"/>
-            <a:chExt cx="5328592" cy="4329772"/>
+            <a:chExt cx="5328592" cy="1449452"/>
           </a:xfrm>
         </p:grpSpPr>
         <p:sp>
@@ -14380,55 +14093,6 @@
             </a:fontRef>
           </p:style>
         </p:cxnSp>
-        <p:sp>
-          <p:nvSpPr>
-            <p:cNvPr id="21" name="TextBox 20"/>
-            <p:cNvSpPr txBox="1"/>
-            <p:nvPr/>
-          </p:nvSpPr>
-          <p:spPr>
-            <a:xfrm>
-              <a:off x="3779912" y="6093296"/>
-              <a:ext cx="1784463" cy="369332"/>
-            </a:xfrm>
-            <a:prstGeom prst="rect">
-              <a:avLst/>
-            </a:prstGeom>
-            <a:noFill/>
-          </p:spPr>
-          <p:txBody>
-            <a:bodyPr wrap="none" rtlCol="0">
-              <a:spAutoFit/>
-            </a:bodyPr>
-            <a:lstStyle/>
-            <a:p>
-              <a:r>
-                <a:rPr lang="ko-KR" altLang="en-US" dirty="0">
-                  <a:solidFill>
-                    <a:schemeClr val="bg1"/>
-                  </a:solidFill>
-                </a:rPr>
-                <a:t>발표자 </a:t>
-              </a:r>
-              <a:r>
-                <a:rPr lang="en-US" altLang="ko-KR" dirty="0">
-                  <a:solidFill>
-                    <a:schemeClr val="bg1"/>
-                  </a:solidFill>
-                </a:rPr>
-                <a:t>: </a:t>
-              </a:r>
-              <a:r>
-                <a:rPr lang="ko-KR" altLang="en-US" dirty="0">
-                  <a:solidFill>
-                    <a:schemeClr val="bg1"/>
-                  </a:solidFill>
-                </a:rPr>
-                <a:t>노원호</a:t>
-              </a:r>
-            </a:p>
-          </p:txBody>
-        </p:sp>
       </p:grpSp>
     </p:spTree>
   </p:cSld>
@@ -14941,21 +14605,8 @@
                     <a:srgbClr val="134873"/>
                   </a:solidFill>
                 </a:rPr>
-                <a:t> </a:t>
+                <a:t> 진행사항</a:t>
               </a:r>
-              <a:r>
-                <a:rPr lang="ko-KR" altLang="en-US" sz="2000" b="1" dirty="0" smtClean="0">
-                  <a:solidFill>
-                    <a:srgbClr val="134873"/>
-                  </a:solidFill>
-                </a:rPr>
-                <a:t>진행사항</a:t>
-              </a:r>
-              <a:endParaRPr lang="ko-KR" altLang="en-US" sz="2000" b="1" dirty="0">
-                <a:solidFill>
-                  <a:srgbClr val="134873"/>
-                </a:solidFill>
-              </a:endParaRPr>
             </a:p>
           </p:txBody>
         </p:sp>
@@ -15032,7 +14683,7 @@
             <a:lstStyle/>
             <a:p>
               <a:r>
-                <a:rPr lang="en-US" altLang="ko-KR" sz="2000" b="1" dirty="0" smtClean="0">
+                <a:rPr lang="en-US" altLang="ko-KR" sz="2000" b="1" dirty="0">
                   <a:solidFill>
                     <a:srgbClr val="134873"/>
                   </a:solidFill>
@@ -15040,18 +14691,13 @@
                 <a:t>Part.5 </a:t>
               </a:r>
               <a:r>
-                <a:rPr lang="ko-KR" altLang="en-US" sz="2000" b="1" dirty="0" smtClean="0">
+                <a:rPr lang="ko-KR" altLang="en-US" sz="2000" b="1" dirty="0">
                   <a:solidFill>
                     <a:srgbClr val="134873"/>
                   </a:solidFill>
                 </a:rPr>
                 <a:t> 개발계획</a:t>
               </a:r>
-              <a:endParaRPr lang="ko-KR" altLang="en-US" sz="2000" b="1" dirty="0">
-                <a:solidFill>
-                  <a:srgbClr val="134873"/>
-                </a:solidFill>
-              </a:endParaRPr>
             </a:p>
           </p:txBody>
         </p:sp>
@@ -17056,13 +16702,6 @@
   <p:clrMapOvr>
     <a:masterClrMapping/>
   </p:clrMapOvr>
-  <p:timing>
-    <p:tnLst>
-      <p:par>
-        <p:cTn id="1" dur="indefinite" restart="never" nodeType="tmRoot"/>
-      </p:par>
-    </p:tnLst>
-  </p:timing>
 </p:sld>
 </file>
 
@@ -19910,18 +19549,13 @@
           <a:lstStyle/>
           <a:p>
             <a:r>
-              <a:rPr lang="ko-KR" altLang="en-US" b="1" dirty="0" smtClean="0">
+              <a:rPr lang="ko-KR" altLang="en-US" b="1" dirty="0">
                 <a:solidFill>
                   <a:srgbClr val="134873"/>
                 </a:solidFill>
               </a:rPr>
               <a:t>진행상황</a:t>
             </a:r>
-            <a:endParaRPr lang="ko-KR" altLang="en-US" b="1" dirty="0">
-              <a:solidFill>
-                <a:srgbClr val="134873"/>
-              </a:solidFill>
-            </a:endParaRPr>
           </a:p>
         </p:txBody>
       </p:sp>
@@ -20578,7 +20212,7 @@
           <a:lstStyle/>
           <a:p>
             <a:r>
-              <a:rPr lang="en-US" altLang="ko-KR" dirty="0" smtClean="0">
+              <a:rPr lang="en-US" altLang="ko-KR" dirty="0">
                 <a:solidFill>
                   <a:schemeClr val="tx1">
                     <a:lumMod val="65000"/>
@@ -20589,7 +20223,7 @@
               <a:t>-</a:t>
             </a:r>
             <a:r>
-              <a:rPr lang="ko-KR" altLang="en-US" dirty="0" smtClean="0">
+              <a:rPr lang="ko-KR" altLang="en-US" dirty="0">
                 <a:solidFill>
                   <a:schemeClr val="tx1">
                     <a:lumMod val="65000"/>
@@ -20600,7 +20234,7 @@
               <a:t>디자인 및 </a:t>
             </a:r>
             <a:r>
-              <a:rPr lang="ko-KR" altLang="en-US" dirty="0" err="1" smtClean="0">
+              <a:rPr lang="ko-KR" altLang="en-US" dirty="0" err="1">
                 <a:solidFill>
                   <a:schemeClr val="tx1">
                     <a:lumMod val="65000"/>
@@ -20611,7 +20245,7 @@
               <a:t>메인화면을</a:t>
             </a:r>
             <a:r>
-              <a:rPr lang="ko-KR" altLang="en-US" dirty="0" smtClean="0">
+              <a:rPr lang="ko-KR" altLang="en-US" dirty="0">
                 <a:solidFill>
                   <a:schemeClr val="tx1">
                     <a:lumMod val="65000"/>
@@ -20621,14 +20255,6 @@
               </a:rPr>
               <a:t> 제외한 화면 구성</a:t>
             </a:r>
-            <a:endParaRPr lang="ko-KR" altLang="en-US" dirty="0">
-              <a:solidFill>
-                <a:schemeClr val="tx1">
-                  <a:lumMod val="65000"/>
-                  <a:lumOff val="35000"/>
-                </a:schemeClr>
-              </a:solidFill>
-            </a:endParaRPr>
           </a:p>
         </p:txBody>
       </p:sp>
@@ -20655,7 +20281,7 @@
           <a:lstStyle/>
           <a:p>
             <a:r>
-              <a:rPr lang="en-US" altLang="ko-KR" dirty="0" smtClean="0">
+              <a:rPr lang="en-US" altLang="ko-KR" dirty="0">
                 <a:solidFill>
                   <a:schemeClr val="tx1">
                     <a:lumMod val="65000"/>
@@ -20666,7 +20292,7 @@
               <a:t>-</a:t>
             </a:r>
             <a:r>
-              <a:rPr lang="ko-KR" altLang="en-US" dirty="0" smtClean="0">
+              <a:rPr lang="ko-KR" altLang="en-US" dirty="0">
                 <a:solidFill>
                   <a:schemeClr val="tx1">
                     <a:lumMod val="65000"/>
@@ -20676,14 +20302,6 @@
               </a:rPr>
               <a:t> 마우스 기본동작 및 프레젠테이션 조작</a:t>
             </a:r>
-            <a:endParaRPr lang="ko-KR" altLang="en-US" dirty="0">
-              <a:solidFill>
-                <a:schemeClr val="tx1">
-                  <a:lumMod val="65000"/>
-                  <a:lumOff val="35000"/>
-                </a:schemeClr>
-              </a:solidFill>
-            </a:endParaRPr>
           </a:p>
         </p:txBody>
       </p:sp>
@@ -20746,30 +20364,29 @@
           <a:lstStyle/>
           <a:p>
             <a:r>
-              <a:rPr lang="ko-KR" altLang="en-US" dirty="0" err="1" smtClean="0"/>
+              <a:rPr lang="ko-KR" altLang="en-US" dirty="0" err="1"/>
               <a:t>첫줄</a:t>
             </a:r>
             <a:r>
-              <a:rPr lang="ko-KR" altLang="en-US" dirty="0" smtClean="0"/>
+              <a:rPr lang="ko-KR" altLang="en-US" dirty="0"/>
               <a:t> 읽고 </a:t>
             </a:r>
             <a:r>
-              <a:rPr lang="ko-KR" altLang="en-US" dirty="0" err="1" smtClean="0"/>
+              <a:rPr lang="ko-KR" altLang="en-US" dirty="0" err="1"/>
               <a:t>두번째</a:t>
             </a:r>
             <a:r>
-              <a:rPr lang="ko-KR" altLang="en-US" dirty="0" smtClean="0"/>
+              <a:rPr lang="ko-KR" altLang="en-US" dirty="0"/>
               <a:t> 줄 </a:t>
             </a:r>
             <a:r>
-              <a:rPr lang="ko-KR" altLang="en-US" dirty="0" err="1" smtClean="0"/>
+              <a:rPr lang="ko-KR" altLang="en-US" dirty="0" err="1"/>
               <a:t>읽을때</a:t>
             </a:r>
             <a:r>
-              <a:rPr lang="ko-KR" altLang="en-US" dirty="0" smtClean="0"/>
+              <a:rPr lang="ko-KR" altLang="en-US" dirty="0"/>
               <a:t> 클릭하면 마우스 커서 움직임</a:t>
             </a:r>
-            <a:endParaRPr lang="ko-KR" altLang="en-US" dirty="0"/>
           </a:p>
         </p:txBody>
       </p:sp>
@@ -21305,18 +20922,13 @@
           <a:lstStyle/>
           <a:p>
             <a:r>
-              <a:rPr lang="ko-KR" altLang="en-US" b="1" dirty="0" smtClean="0">
+              <a:rPr lang="ko-KR" altLang="en-US" b="1" dirty="0">
                 <a:solidFill>
                   <a:srgbClr val="134873"/>
                 </a:solidFill>
               </a:rPr>
               <a:t>진행상황</a:t>
             </a:r>
-            <a:endParaRPr lang="ko-KR" altLang="en-US" b="1" dirty="0">
-              <a:solidFill>
-                <a:srgbClr val="134873"/>
-              </a:solidFill>
-            </a:endParaRPr>
           </a:p>
         </p:txBody>
       </p:sp>
@@ -21509,7 +21121,7 @@
           <a:lstStyle/>
           <a:p>
             <a:r>
-              <a:rPr lang="ko-KR" altLang="en-US" dirty="0" smtClean="0">
+              <a:rPr lang="ko-KR" altLang="en-US" dirty="0">
                 <a:solidFill>
                   <a:schemeClr val="tx1">
                     <a:lumMod val="65000"/>
@@ -21520,7 +21132,7 @@
               <a:t>마우스 </a:t>
             </a:r>
             <a:r>
-              <a:rPr lang="en-US" altLang="ko-KR" dirty="0" smtClean="0">
+              <a:rPr lang="en-US" altLang="ko-KR" dirty="0">
                 <a:solidFill>
                   <a:schemeClr val="tx1">
                     <a:lumMod val="65000"/>
@@ -22238,22 +21850,18 @@
             <a:p>
               <a:r>
                 <a:rPr lang="ko-KR" altLang="en-US" dirty="0"/>
-                <a:t>마우스 </a:t>
+                <a:t>마우스 휠 </a:t>
               </a:r>
               <a:r>
-                <a:rPr lang="ko-KR" altLang="en-US" dirty="0" smtClean="0"/>
-                <a:t>휠 </a:t>
-              </a:r>
-              <a:r>
-                <a:rPr lang="en-US" altLang="ko-KR" dirty="0" smtClean="0"/>
+                <a:rPr lang="en-US" altLang="ko-KR" dirty="0"/>
                 <a:t>(</a:t>
               </a:r>
               <a:r>
-                <a:rPr lang="ko-KR" altLang="en-US" dirty="0" smtClean="0"/>
+                <a:rPr lang="ko-KR" altLang="en-US" dirty="0"/>
                 <a:t>미완성</a:t>
               </a:r>
               <a:r>
-                <a:rPr lang="en-US" altLang="ko-KR" dirty="0" smtClean="0"/>
+                <a:rPr lang="en-US" altLang="ko-KR" dirty="0"/>
                 <a:t>)</a:t>
               </a:r>
               <a:endParaRPr lang="ko-KR" altLang="en-US" dirty="0"/>
@@ -22284,98 +21892,98 @@
           <a:lstStyle/>
           <a:p>
             <a:r>
-              <a:rPr lang="ko-KR" altLang="en-US" dirty="0" smtClean="0"/>
+              <a:rPr lang="ko-KR" altLang="en-US" dirty="0"/>
               <a:t>마우스컨트롤</a:t>
             </a:r>
-            <a:endParaRPr lang="en-US" altLang="ko-KR" dirty="0" smtClean="0"/>
-          </a:p>
-          <a:p>
-            <a:r>
-              <a:rPr lang="ko-KR" altLang="en-US" dirty="0" smtClean="0"/>
+            <a:endParaRPr lang="en-US" altLang="ko-KR" dirty="0"/>
+          </a:p>
+          <a:p>
+            <a:r>
+              <a:rPr lang="ko-KR" altLang="en-US" dirty="0"/>
               <a:t>부분과 </a:t>
             </a:r>
             <a:r>
-              <a:rPr lang="ko-KR" altLang="en-US" dirty="0" err="1" smtClean="0"/>
+              <a:rPr lang="ko-KR" altLang="en-US" dirty="0" err="1"/>
               <a:t>좌클릭</a:t>
             </a:r>
-            <a:endParaRPr lang="en-US" altLang="ko-KR" dirty="0" smtClean="0"/>
-          </a:p>
-          <a:p>
-            <a:r>
-              <a:rPr lang="ko-KR" altLang="en-US" dirty="0" err="1" smtClean="0"/>
+            <a:endParaRPr lang="en-US" altLang="ko-KR" dirty="0"/>
+          </a:p>
+          <a:p>
+            <a:r>
+              <a:rPr lang="ko-KR" altLang="en-US" dirty="0" err="1"/>
               <a:t>우클릭</a:t>
             </a:r>
             <a:r>
-              <a:rPr lang="ko-KR" altLang="en-US" dirty="0" smtClean="0"/>
+              <a:rPr lang="ko-KR" altLang="en-US" dirty="0"/>
               <a:t> 기능은</a:t>
             </a:r>
-            <a:endParaRPr lang="en-US" altLang="ko-KR" dirty="0" smtClean="0"/>
-          </a:p>
-          <a:p>
-            <a:r>
-              <a:rPr lang="ko-KR" altLang="en-US" dirty="0" smtClean="0"/>
+            <a:endParaRPr lang="en-US" altLang="ko-KR" dirty="0"/>
+          </a:p>
+          <a:p>
+            <a:r>
+              <a:rPr lang="ko-KR" altLang="en-US" dirty="0"/>
               <a:t>구현했습니다</a:t>
             </a:r>
             <a:r>
-              <a:rPr lang="en-US" altLang="ko-KR" dirty="0" smtClean="0"/>
+              <a:rPr lang="en-US" altLang="ko-KR" dirty="0"/>
               <a:t>.</a:t>
             </a:r>
           </a:p>
           <a:p>
-            <a:endParaRPr lang="en-US" altLang="ko-KR" dirty="0" smtClean="0"/>
-          </a:p>
-          <a:p>
-            <a:r>
-              <a:rPr lang="ko-KR" altLang="en-US" dirty="0" smtClean="0"/>
+            <a:endParaRPr lang="en-US" altLang="ko-KR" dirty="0"/>
+          </a:p>
+          <a:p>
+            <a:r>
+              <a:rPr lang="ko-KR" altLang="en-US" dirty="0"/>
               <a:t>마우스모드에서는</a:t>
             </a:r>
-            <a:endParaRPr lang="en-US" altLang="ko-KR" dirty="0" smtClean="0"/>
-          </a:p>
-          <a:p>
-            <a:r>
-              <a:rPr lang="ko-KR" altLang="en-US" dirty="0" err="1" smtClean="0"/>
+            <a:endParaRPr lang="en-US" altLang="ko-KR" dirty="0"/>
+          </a:p>
+          <a:p>
+            <a:r>
+              <a:rPr lang="ko-KR" altLang="en-US" dirty="0" err="1"/>
               <a:t>마우스휠만</a:t>
             </a:r>
             <a:r>
-              <a:rPr lang="ko-KR" altLang="en-US" dirty="0" smtClean="0"/>
+              <a:rPr lang="ko-KR" altLang="en-US" dirty="0"/>
               <a:t> 구현하면</a:t>
             </a:r>
-            <a:endParaRPr lang="en-US" altLang="ko-KR" dirty="0" smtClean="0"/>
-          </a:p>
-          <a:p>
-            <a:r>
-              <a:rPr lang="ko-KR" altLang="en-US" dirty="0" smtClean="0"/>
+            <a:endParaRPr lang="en-US" altLang="ko-KR" dirty="0"/>
+          </a:p>
+          <a:p>
+            <a:r>
+              <a:rPr lang="ko-KR" altLang="en-US" dirty="0"/>
               <a:t>됩니다</a:t>
             </a:r>
             <a:r>
-              <a:rPr lang="en-US" altLang="ko-KR" dirty="0" smtClean="0"/>
+              <a:rPr lang="en-US" altLang="ko-KR" dirty="0"/>
               <a:t>.</a:t>
             </a:r>
           </a:p>
           <a:p>
-            <a:endParaRPr lang="en-US" altLang="ko-KR" dirty="0" smtClean="0"/>
-          </a:p>
-          <a:p>
-            <a:r>
-              <a:rPr lang="ko-KR" altLang="en-US" dirty="0" smtClean="0"/>
+            <a:endParaRPr lang="en-US" altLang="ko-KR" dirty="0"/>
+          </a:p>
+          <a:p>
+            <a:r>
+              <a:rPr lang="ko-KR" altLang="en-US" dirty="0"/>
               <a:t>애니메이션을 </a:t>
             </a:r>
             <a:r>
-              <a:rPr lang="ko-KR" altLang="en-US" dirty="0" err="1" smtClean="0"/>
+              <a:rPr lang="ko-KR" altLang="en-US" dirty="0" err="1"/>
               <a:t>두개로</a:t>
             </a:r>
             <a:r>
-              <a:rPr lang="ko-KR" altLang="en-US" dirty="0" smtClean="0"/>
+              <a:rPr lang="ko-KR" altLang="en-US" dirty="0"/>
               <a:t> </a:t>
             </a:r>
-            <a:endParaRPr lang="en-US" altLang="ko-KR" dirty="0" smtClean="0"/>
-          </a:p>
-          <a:p>
-            <a:r>
-              <a:rPr lang="ko-KR" altLang="en-US" dirty="0" smtClean="0"/>
+            <a:endParaRPr lang="en-US" altLang="ko-KR" dirty="0"/>
+          </a:p>
+          <a:p>
+            <a:r>
+              <a:rPr lang="ko-KR" altLang="en-US" dirty="0"/>
               <a:t>묶음</a:t>
             </a:r>
-            <a:endParaRPr lang="en-US" altLang="ko-KR" dirty="0" smtClean="0"/>
+            <a:endParaRPr lang="en-US" altLang="ko-KR" dirty="0"/>
           </a:p>
           <a:p>
             <a:endParaRPr lang="ko-KR" altLang="en-US" dirty="0"/>
@@ -23130,18 +22738,13 @@
           <a:lstStyle/>
           <a:p>
             <a:r>
-              <a:rPr lang="ko-KR" altLang="en-US" b="1" dirty="0" smtClean="0">
+              <a:rPr lang="ko-KR" altLang="en-US" b="1" dirty="0">
                 <a:solidFill>
                   <a:srgbClr val="134873"/>
                 </a:solidFill>
               </a:rPr>
               <a:t>진행상황</a:t>
             </a:r>
-            <a:endParaRPr lang="ko-KR" altLang="en-US" b="1" dirty="0">
-              <a:solidFill>
-                <a:srgbClr val="134873"/>
-              </a:solidFill>
-            </a:endParaRPr>
           </a:p>
         </p:txBody>
       </p:sp>
